--- a/PPTS/VANET-Explicações.pptx
+++ b/PPTS/VANET-Explicações.pptx
@@ -7230,7 +7230,7 @@
             </a:r>
             <a:r>
               <a:rPr lang="en-US" dirty="0" err="1"/>
-              <a:t>componnete</a:t>
+              <a:t>componeNte</a:t>
             </a:r>
             <a:r>
               <a:rPr lang="en-US" dirty="0"/>
@@ -7276,6 +7276,23 @@
               <a:rPr lang="en-US" dirty="0"/>
               <a:t>.</a:t>
             </a:r>
+          </a:p>
+          <a:p>
+            <a:pPr marL="0" indent="0">
+              <a:buNone/>
+            </a:pPr>
+            <a:r>
+              <a:rPr lang="pt-BR" dirty="0"/>
+              <a:t>- rede ativas de comunicação que permite a comunicação móvel entre veículos e outras redes.</a:t>
+            </a:r>
+            <a:endParaRPr lang="en-US" dirty="0"/>
+          </a:p>
+          <a:p>
+            <a:pPr>
+              <a:buFontTx/>
+              <a:buChar char="-"/>
+            </a:pPr>
+            <a:endParaRPr lang="en-US" dirty="0"/>
           </a:p>
           <a:p>
             <a:endParaRPr lang="pt-BR" dirty="0"/>
@@ -7460,7 +7477,9 @@
           </a:xfrm>
         </p:spPr>
         <p:txBody>
-          <a:bodyPr/>
+          <a:bodyPr>
+            <a:normAutofit lnSpcReduction="10000"/>
+          </a:bodyPr>
           <a:lstStyle/>
           <a:p>
             <a:r>
@@ -7482,8 +7501,37 @@
             </a:r>
             <a:r>
               <a:rPr lang="en-US" dirty="0"/>
-              <a:t>mart traffic management</a:t>
-            </a:r>
+              <a:t>mart traffic management – </a:t>
+            </a:r>
+            <a:r>
+              <a:rPr lang="en-US" dirty="0" err="1"/>
+              <a:t>Gestão</a:t>
+            </a:r>
+            <a:r>
+              <a:rPr lang="en-US" dirty="0"/>
+              <a:t> do </a:t>
+            </a:r>
+            <a:r>
+              <a:rPr lang="en-US" dirty="0" err="1"/>
+              <a:t>tráfego</a:t>
+            </a:r>
+            <a:r>
+              <a:rPr lang="en-US" dirty="0"/>
+              <a:t> </a:t>
+            </a:r>
+            <a:r>
+              <a:rPr lang="en-US" dirty="0" err="1"/>
+              <a:t>atarvés</a:t>
+            </a:r>
+            <a:r>
+              <a:rPr lang="en-US" dirty="0"/>
+              <a:t> de dados </a:t>
+            </a:r>
+            <a:r>
+              <a:rPr lang="en-US" dirty="0" err="1"/>
+              <a:t>obtidos</a:t>
+            </a:r>
+            <a:endParaRPr lang="en-US" dirty="0"/>
           </a:p>
           <a:p>
             <a:pPr marL="0" indent="0">
@@ -7491,8 +7539,61 @@
             </a:pPr>
             <a:r>
               <a:rPr lang="en-US" dirty="0"/>
-              <a:t>- Mobile crowd sensing</a:t>
-            </a:r>
+              <a:t>- Mobile crowd sensing – </a:t>
+            </a:r>
+            <a:r>
+              <a:rPr lang="en-US" dirty="0" err="1"/>
+              <a:t>Deteção</a:t>
+            </a:r>
+            <a:r>
+              <a:rPr lang="en-US" dirty="0"/>
+              <a:t> de </a:t>
+            </a:r>
+            <a:r>
+              <a:rPr lang="en-US" dirty="0" err="1"/>
+              <a:t>multidão</a:t>
+            </a:r>
+            <a:r>
+              <a:rPr lang="en-US" dirty="0"/>
+              <a:t> – </a:t>
+            </a:r>
+            <a:r>
+              <a:rPr lang="en-US" dirty="0" err="1"/>
+              <a:t>Evitar</a:t>
+            </a:r>
+            <a:r>
+              <a:rPr lang="en-US" dirty="0"/>
+              <a:t> </a:t>
+            </a:r>
+            <a:r>
+              <a:rPr lang="en-US" dirty="0" err="1"/>
+              <a:t>Trânsito</a:t>
+            </a:r>
+            <a:r>
+              <a:rPr lang="en-US" dirty="0"/>
+              <a:t> </a:t>
+            </a:r>
+            <a:r>
+              <a:rPr lang="en-US" dirty="0" err="1"/>
+              <a:t>indicando</a:t>
+            </a:r>
+            <a:r>
+              <a:rPr lang="en-US" dirty="0"/>
+              <a:t> </a:t>
+            </a:r>
+            <a:r>
+              <a:rPr lang="en-US" dirty="0" err="1"/>
+              <a:t>caminhos</a:t>
+            </a:r>
+            <a:r>
+              <a:rPr lang="en-US" dirty="0"/>
+              <a:t> </a:t>
+            </a:r>
+            <a:r>
+              <a:rPr lang="en-US" dirty="0" err="1"/>
+              <a:t>melhores</a:t>
+            </a:r>
+            <a:endParaRPr lang="en-US" dirty="0"/>
           </a:p>
           <a:p>
             <a:pPr marL="0" indent="0">
@@ -7500,7 +7601,7 @@
             </a:pPr>
             <a:r>
               <a:rPr lang="en-US" dirty="0"/>
-              <a:t>- Accident reporting</a:t>
+              <a:t>- Accident reporting – REPORTAR ACIDENTES – DESPERTA MAIS ATENÇÃO NO MOTORISTA</a:t>
             </a:r>
           </a:p>
           <a:p>
@@ -7509,8 +7610,37 @@
             </a:pPr>
             <a:r>
               <a:rPr lang="en-US" dirty="0"/>
-              <a:t>- Weather alerts</a:t>
-            </a:r>
+              <a:t>- Weather alerts – </a:t>
+            </a:r>
+            <a:r>
+              <a:rPr lang="en-US" dirty="0" err="1"/>
+              <a:t>prevenção</a:t>
+            </a:r>
+            <a:r>
+              <a:rPr lang="en-US" dirty="0"/>
+              <a:t> de </a:t>
+            </a:r>
+            <a:r>
+              <a:rPr lang="en-US" dirty="0" err="1"/>
+              <a:t>condições</a:t>
+            </a:r>
+            <a:r>
+              <a:rPr lang="en-US" dirty="0"/>
+              <a:t> </a:t>
+            </a:r>
+            <a:r>
+              <a:rPr lang="en-US" dirty="0" err="1"/>
+              <a:t>advesas</a:t>
+            </a:r>
+            <a:r>
+              <a:rPr lang="en-US" dirty="0"/>
+              <a:t> do </a:t>
+            </a:r>
+            <a:r>
+              <a:rPr lang="en-US" dirty="0" err="1"/>
+              <a:t>clima</a:t>
+            </a:r>
+            <a:endParaRPr lang="en-US" dirty="0"/>
           </a:p>
           <a:p>
             <a:pPr marL="0" indent="0">
@@ -7518,8 +7648,21 @@
             </a:pPr>
             <a:r>
               <a:rPr lang="en-US" dirty="0"/>
-              <a:t>- Monitoring</a:t>
-            </a:r>
+              <a:t>- Monitoring – MONITORAMENTO DO AMBIENTE </a:t>
+            </a:r>
+            <a:r>
+              <a:rPr lang="en-US" dirty="0" err="1"/>
+              <a:t>ao</a:t>
+            </a:r>
+            <a:r>
+              <a:rPr lang="en-US" dirty="0"/>
+              <a:t> </a:t>
+            </a:r>
+            <a:r>
+              <a:rPr lang="en-US" dirty="0" err="1"/>
+              <a:t>redor</a:t>
+            </a:r>
+            <a:endParaRPr lang="en-US" dirty="0"/>
           </a:p>
           <a:p>
             <a:pPr marL="0" indent="0">
@@ -7527,8 +7670,45 @@
             </a:pPr>
             <a:r>
               <a:rPr lang="en-US" dirty="0"/>
-              <a:t>- Parking alerts</a:t>
-            </a:r>
+              <a:t>- Parking alerts – AVISA </a:t>
+            </a:r>
+            <a:r>
+              <a:rPr lang="en-US" dirty="0" err="1"/>
+              <a:t>locais</a:t>
+            </a:r>
+            <a:r>
+              <a:rPr lang="en-US" dirty="0"/>
+              <a:t> </a:t>
+            </a:r>
+            <a:r>
+              <a:rPr lang="en-US" dirty="0" err="1"/>
+              <a:t>permitidos</a:t>
+            </a:r>
+            <a:r>
+              <a:rPr lang="en-US" dirty="0"/>
+              <a:t>  e </a:t>
+            </a:r>
+            <a:r>
+              <a:rPr lang="en-US" dirty="0" err="1"/>
+              <a:t>não</a:t>
+            </a:r>
+            <a:r>
+              <a:rPr lang="en-US" dirty="0"/>
+              <a:t> </a:t>
+            </a:r>
+            <a:r>
+              <a:rPr lang="en-US" dirty="0" err="1"/>
+              <a:t>permitidos</a:t>
+            </a:r>
+            <a:r>
+              <a:rPr lang="en-US" dirty="0"/>
+              <a:t> para </a:t>
+            </a:r>
+            <a:r>
+              <a:rPr lang="en-US" dirty="0" err="1"/>
+              <a:t>estacionar</a:t>
+            </a:r>
+            <a:endParaRPr lang="en-US" dirty="0"/>
           </a:p>
           <a:p>
             <a:pPr marL="0" indent="0">
@@ -7536,7 +7716,7 @@
             </a:pPr>
             <a:r>
               <a:rPr lang="en-US" dirty="0"/>
-              <a:t>- Audio/video streaming in vehicles</a:t>
+              <a:t>- Audio/video streaming in vehicles - </a:t>
             </a:r>
           </a:p>
           <a:p>
@@ -7546,7 +7726,7 @@
             </a:pPr>
             <a:r>
               <a:rPr lang="en-US" dirty="0"/>
-              <a:t>Points of interest (Marts, Fuel Station, Restaurants)</a:t>
+              <a:t>Points of interest (Marts, Fuel Station, Restaurants) -  marketing</a:t>
             </a:r>
           </a:p>
           <a:p>
@@ -7556,7 +7736,117 @@
             </a:pPr>
             <a:r>
               <a:rPr lang="en-US" dirty="0"/>
-              <a:t>E-Health</a:t>
+              <a:t>E-Health – </a:t>
+            </a:r>
+            <a:r>
+              <a:rPr lang="en-US" dirty="0" err="1"/>
+              <a:t>caso</a:t>
+            </a:r>
+            <a:r>
+              <a:rPr lang="en-US" dirty="0"/>
+              <a:t> o </a:t>
+            </a:r>
+            <a:r>
+              <a:rPr lang="en-US" dirty="0" err="1"/>
+              <a:t>usuário</a:t>
+            </a:r>
+            <a:r>
+              <a:rPr lang="en-US" dirty="0"/>
+              <a:t> </a:t>
+            </a:r>
+            <a:r>
+              <a:rPr lang="en-US" dirty="0" err="1"/>
+              <a:t>tenha</a:t>
+            </a:r>
+            <a:r>
+              <a:rPr lang="en-US" dirty="0"/>
+              <a:t> </a:t>
+            </a:r>
+            <a:r>
+              <a:rPr lang="en-US" dirty="0" err="1"/>
+              <a:t>algum</a:t>
+            </a:r>
+            <a:r>
+              <a:rPr lang="en-US" dirty="0"/>
+              <a:t> </a:t>
+            </a:r>
+            <a:r>
+              <a:rPr lang="en-US" dirty="0" err="1"/>
+              <a:t>problema</a:t>
+            </a:r>
+            <a:r>
+              <a:rPr lang="en-US" dirty="0"/>
+              <a:t> </a:t>
+            </a:r>
+            <a:r>
+              <a:rPr lang="en-US" dirty="0" err="1"/>
+              <a:t>enquanto</a:t>
+            </a:r>
+            <a:r>
+              <a:rPr lang="en-US" dirty="0"/>
+              <a:t> </a:t>
+            </a:r>
+            <a:r>
+              <a:rPr lang="en-US" dirty="0" err="1"/>
+              <a:t>esteja</a:t>
+            </a:r>
+            <a:r>
+              <a:rPr lang="en-US" dirty="0"/>
+              <a:t> no </a:t>
+            </a:r>
+            <a:r>
+              <a:rPr lang="en-US" dirty="0" err="1"/>
+              <a:t>carro</a:t>
+            </a:r>
+            <a:r>
+              <a:rPr lang="en-US" dirty="0"/>
+              <a:t> / Auxilia </a:t>
+            </a:r>
+            <a:r>
+              <a:rPr lang="en-US" dirty="0" err="1"/>
+              <a:t>ambulâncias</a:t>
+            </a:r>
+            <a:r>
+              <a:rPr lang="en-US" dirty="0"/>
+              <a:t> a </a:t>
+            </a:r>
+            <a:r>
+              <a:rPr lang="en-US" dirty="0" err="1"/>
+              <a:t>encontrar</a:t>
+            </a:r>
+            <a:r>
+              <a:rPr lang="en-US" dirty="0"/>
+              <a:t> </a:t>
+            </a:r>
+            <a:r>
+              <a:rPr lang="en-US" dirty="0" err="1"/>
+              <a:t>hospitais</a:t>
+            </a:r>
+            <a:r>
+              <a:rPr lang="en-US" dirty="0"/>
+              <a:t> </a:t>
+            </a:r>
+            <a:r>
+              <a:rPr lang="en-US" dirty="0" err="1"/>
+              <a:t>mais</a:t>
+            </a:r>
+            <a:r>
+              <a:rPr lang="en-US" dirty="0"/>
+              <a:t> </a:t>
+            </a:r>
+            <a:r>
+              <a:rPr lang="en-US" dirty="0" err="1"/>
+              <a:t>próximos</a:t>
+            </a:r>
+            <a:endParaRPr lang="en-US" dirty="0"/>
+          </a:p>
+          <a:p>
+            <a:pPr marL="1371600" lvl="3" indent="0">
+              <a:buNone/>
+            </a:pPr>
+            <a:r>
+              <a:rPr lang="en-US" dirty="0"/>
+              <a:t> </a:t>
             </a:r>
           </a:p>
           <a:p>
@@ -7728,19 +8018,256 @@
           <a:p>
             <a:r>
               <a:rPr lang="en-US" dirty="0"/>
-              <a:t>congestion of </a:t>
+              <a:t>increasing demand of vehicles for wireless applications</a:t>
+            </a:r>
+          </a:p>
+          <a:p>
+            <a:pPr>
+              <a:buFontTx/>
+              <a:buChar char="-"/>
+            </a:pPr>
+            <a:r>
+              <a:rPr lang="en-US" dirty="0"/>
+              <a:t>Com a </a:t>
+            </a:r>
+            <a:r>
+              <a:rPr lang="en-US" dirty="0" err="1"/>
+              <a:t>alta</a:t>
+            </a:r>
+            <a:r>
+              <a:rPr lang="en-US" dirty="0"/>
+              <a:t> </a:t>
+            </a:r>
+            <a:r>
+              <a:rPr lang="en-US" dirty="0" err="1"/>
+              <a:t>utilização</a:t>
+            </a:r>
+            <a:r>
+              <a:rPr lang="en-US" dirty="0"/>
+              <a:t> de </a:t>
+            </a:r>
+            <a:r>
+              <a:rPr lang="en-US" dirty="0" err="1"/>
+              <a:t>aplicações</a:t>
+            </a:r>
+            <a:r>
+              <a:rPr lang="en-US" dirty="0"/>
+              <a:t> </a:t>
+            </a:r>
+            <a:r>
+              <a:rPr lang="en-US" dirty="0" err="1"/>
+              <a:t>desenvolvidas</a:t>
+            </a:r>
+            <a:r>
+              <a:rPr lang="en-US" dirty="0"/>
+              <a:t> para </a:t>
+            </a:r>
+            <a:r>
+              <a:rPr lang="en-US" dirty="0" err="1"/>
+              <a:t>iovs</a:t>
+            </a:r>
+            <a:r>
+              <a:rPr lang="en-US" dirty="0"/>
+              <a:t>, a </a:t>
+            </a:r>
+            <a:r>
+              <a:rPr lang="en-US" dirty="0" err="1"/>
+              <a:t>demanda</a:t>
+            </a:r>
+            <a:r>
+              <a:rPr lang="en-US" dirty="0"/>
+              <a:t> por </a:t>
+            </a:r>
+            <a:r>
+              <a:rPr lang="en-US" dirty="0" err="1"/>
+              <a:t>conexões</a:t>
+            </a:r>
+            <a:r>
+              <a:rPr lang="en-US" dirty="0"/>
+              <a:t> de internet </a:t>
+            </a:r>
+            <a:r>
+              <a:rPr lang="en-US" dirty="0" err="1"/>
+              <a:t>sem</a:t>
+            </a:r>
+            <a:r>
+              <a:rPr lang="en-US" dirty="0"/>
+              <a:t> </a:t>
+            </a:r>
+            <a:r>
+              <a:rPr lang="en-US" dirty="0" err="1"/>
+              <a:t>fio</a:t>
+            </a:r>
+            <a:r>
+              <a:rPr lang="en-US" dirty="0"/>
+              <a:t> </a:t>
+            </a:r>
+            <a:r>
+              <a:rPr lang="en-US" dirty="0" err="1"/>
+              <a:t>acabaram</a:t>
+            </a:r>
+            <a:r>
+              <a:rPr lang="en-US" dirty="0"/>
+              <a:t> </a:t>
+            </a:r>
+            <a:r>
+              <a:rPr lang="en-US" dirty="0" err="1"/>
+              <a:t>aumentando</a:t>
+            </a:r>
+            <a:r>
+              <a:rPr lang="en-US" dirty="0"/>
+              <a:t> e </a:t>
+            </a:r>
+            <a:r>
+              <a:rPr lang="en-US" dirty="0" err="1"/>
+              <a:t>consequentemente</a:t>
+            </a:r>
+            <a:r>
+              <a:rPr lang="en-US" dirty="0"/>
+              <a:t> </a:t>
+            </a:r>
+            <a:r>
+              <a:rPr lang="en-US" dirty="0" err="1"/>
+              <a:t>aumentando</a:t>
+            </a:r>
+            <a:r>
+              <a:rPr lang="en-US" dirty="0"/>
+              <a:t> o </a:t>
+            </a:r>
+            <a:r>
+              <a:rPr lang="en-US" dirty="0" err="1"/>
+              <a:t>fluxo</a:t>
+            </a:r>
+            <a:r>
+              <a:rPr lang="en-US" dirty="0"/>
+              <a:t> de dados. </a:t>
+            </a:r>
+          </a:p>
+          <a:p>
+            <a:pPr>
+              <a:buFontTx/>
+              <a:buChar char="-"/>
+            </a:pPr>
+            <a:endParaRPr lang="en-US" dirty="0"/>
+          </a:p>
+          <a:p>
+            <a:r>
+              <a:rPr lang="en-US" dirty="0"/>
+              <a:t>Message storm (congestion of </a:t>
             </a:r>
             <a:r>
               <a:rPr lang="en-US" dirty="0" err="1"/>
               <a:t>datas</a:t>
             </a:r>
+            <a:r>
+              <a:rPr lang="en-US" dirty="0"/>
+              <a:t>)</a:t>
+            </a:r>
+          </a:p>
+          <a:p>
+            <a:pPr>
+              <a:buFontTx/>
+              <a:buChar char="-"/>
+            </a:pPr>
+            <a:r>
+              <a:rPr lang="en-US" dirty="0"/>
+              <a:t>Com </a:t>
+            </a:r>
+            <a:r>
+              <a:rPr lang="en-US" dirty="0" err="1"/>
+              <a:t>mais</a:t>
+            </a:r>
+            <a:r>
+              <a:rPr lang="en-US" dirty="0"/>
+              <a:t> </a:t>
+            </a:r>
+            <a:r>
+              <a:rPr lang="en-US" dirty="0" err="1"/>
+              <a:t>quantidade</a:t>
+            </a:r>
+            <a:r>
+              <a:rPr lang="en-US" dirty="0"/>
+              <a:t> de dados </a:t>
+            </a:r>
+            <a:r>
+              <a:rPr lang="en-US" dirty="0" err="1"/>
+              <a:t>trafegando</a:t>
+            </a:r>
+            <a:r>
+              <a:rPr lang="en-US" dirty="0"/>
+              <a:t> </a:t>
+            </a:r>
+            <a:r>
+              <a:rPr lang="en-US" dirty="0" err="1"/>
+              <a:t>pelo</a:t>
+            </a:r>
+            <a:r>
+              <a:rPr lang="en-US" dirty="0"/>
+              <a:t> </a:t>
+            </a:r>
+            <a:r>
+              <a:rPr lang="en-US" dirty="0" err="1"/>
+              <a:t>ar</a:t>
+            </a:r>
+            <a:r>
+              <a:rPr lang="en-US" dirty="0"/>
+              <a:t>,  </a:t>
+            </a:r>
+            <a:r>
+              <a:rPr lang="en-US" dirty="0" err="1"/>
+              <a:t>uma</a:t>
+            </a:r>
+            <a:r>
+              <a:rPr lang="en-US" dirty="0"/>
+              <a:t> hora </a:t>
+            </a:r>
+            <a:r>
+              <a:rPr lang="en-US" dirty="0" err="1"/>
+              <a:t>haverá</a:t>
+            </a:r>
+            <a:r>
+              <a:rPr lang="en-US" dirty="0"/>
+              <a:t> um </a:t>
+            </a:r>
+            <a:r>
+              <a:rPr lang="en-US" dirty="0" err="1"/>
+              <a:t>congestionamento</a:t>
+            </a:r>
+            <a:r>
+              <a:rPr lang="en-US" dirty="0"/>
+              <a:t> de dados, </a:t>
+            </a:r>
+            <a:r>
+              <a:rPr lang="en-US" dirty="0" err="1"/>
+              <a:t>gerando</a:t>
+            </a:r>
+            <a:r>
+              <a:rPr lang="en-US" dirty="0"/>
+              <a:t> </a:t>
+            </a:r>
+            <a:r>
+              <a:rPr lang="en-US" dirty="0" err="1"/>
+              <a:t>diversos</a:t>
+            </a:r>
+            <a:r>
+              <a:rPr lang="en-US" dirty="0"/>
+              <a:t> </a:t>
+            </a:r>
+            <a:r>
+              <a:rPr lang="en-US" dirty="0" err="1"/>
+              <a:t>problemas</a:t>
+            </a:r>
+            <a:r>
+              <a:rPr lang="en-US" dirty="0"/>
+              <a:t>.</a:t>
+            </a:r>
+          </a:p>
+          <a:p>
+            <a:pPr>
+              <a:buFontTx/>
+              <a:buChar char="-"/>
+            </a:pPr>
             <a:endParaRPr lang="en-US" dirty="0"/>
-          </a:p>
-          <a:p>
-            <a:r>
-              <a:rPr lang="en-US" dirty="0"/>
-              <a:t>increasing demand of vehicles for wireless applications</a:t>
-            </a:r>
           </a:p>
           <a:p>
             <a:r>
@@ -7751,14 +8278,36 @@
               <a:rPr lang="pt-BR" dirty="0"/>
               <a:t> server</a:t>
             </a:r>
+          </a:p>
+          <a:p>
+            <a:pPr marL="0" indent="0">
+              <a:buNone/>
+            </a:pPr>
+            <a:r>
+              <a:rPr lang="pt-BR" dirty="0"/>
+              <a:t>- O </a:t>
+            </a:r>
+            <a:r>
+              <a:rPr lang="pt-BR" dirty="0" err="1"/>
+              <a:t>iovs</a:t>
+            </a:r>
+            <a:r>
+              <a:rPr lang="pt-BR" dirty="0"/>
+              <a:t> utilizam servidores centralizados, gerando um </a:t>
+            </a:r>
+            <a:r>
+              <a:rPr lang="pt-BR" dirty="0" err="1"/>
+              <a:t>delay</a:t>
+            </a:r>
+            <a:r>
+              <a:rPr lang="pt-BR" dirty="0"/>
+              <a:t> grande para o veículo receber ou enviar </a:t>
+            </a:r>
+            <a:r>
+              <a:rPr lang="pt-BR"/>
+              <a:t>a mensagem</a:t>
+            </a:r>
             <a:endParaRPr lang="en-US" dirty="0"/>
-          </a:p>
-          <a:p>
-            <a:r>
-              <a:rPr lang="en-US" dirty="0"/>
-              <a:t>Message storm</a:t>
-            </a:r>
-            <a:endParaRPr lang="pt-BR" dirty="0"/>
           </a:p>
         </p:txBody>
       </p:sp>

--- a/PPTS/VANET-Explicações.pptx
+++ b/PPTS/VANET-Explicações.pptx
@@ -6,12 +6,17 @@
   </p:sldMasterIdLst>
   <p:sldIdLst>
     <p:sldId id="256" r:id="rId2"/>
-    <p:sldId id="258" r:id="rId3"/>
-    <p:sldId id="260" r:id="rId4"/>
-    <p:sldId id="263" r:id="rId5"/>
-    <p:sldId id="257" r:id="rId6"/>
-    <p:sldId id="261" r:id="rId7"/>
-    <p:sldId id="262" r:id="rId8"/>
+    <p:sldId id="257" r:id="rId3"/>
+    <p:sldId id="261" r:id="rId4"/>
+    <p:sldId id="258" r:id="rId5"/>
+    <p:sldId id="260" r:id="rId6"/>
+    <p:sldId id="263" r:id="rId7"/>
+    <p:sldId id="264" r:id="rId8"/>
+    <p:sldId id="262" r:id="rId9"/>
+    <p:sldId id="265" r:id="rId10"/>
+    <p:sldId id="266" r:id="rId11"/>
+    <p:sldId id="267" r:id="rId12"/>
+    <p:sldId id="268" r:id="rId13"/>
   </p:sldIdLst>
   <p:sldSz cx="12192000" cy="6858000"/>
   <p:notesSz cx="6858000" cy="9144000"/>
@@ -289,7 +294,7 @@
           <a:p>
             <a:fld id="{E16D63D6-C02A-4A27-BFA8-87D76AD2251A}" type="datetimeFigureOut">
               <a:rPr lang="pt-BR" smtClean="0"/>
-              <a:t>12/09/2020</a:t>
+              <a:t>13/09/2020</a:t>
             </a:fld>
             <a:endParaRPr lang="pt-BR"/>
           </a:p>
@@ -601,7 +606,7 @@
           <a:p>
             <a:fld id="{E16D63D6-C02A-4A27-BFA8-87D76AD2251A}" type="datetimeFigureOut">
               <a:rPr lang="pt-BR" smtClean="0"/>
-              <a:t>12/09/2020</a:t>
+              <a:t>13/09/2020</a:t>
             </a:fld>
             <a:endParaRPr lang="pt-BR"/>
           </a:p>
@@ -823,7 +828,7 @@
           <a:p>
             <a:fld id="{E16D63D6-C02A-4A27-BFA8-87D76AD2251A}" type="datetimeFigureOut">
               <a:rPr lang="pt-BR" smtClean="0"/>
-              <a:t>12/09/2020</a:t>
+              <a:t>13/09/2020</a:t>
             </a:fld>
             <a:endParaRPr lang="pt-BR"/>
           </a:p>
@@ -1114,7 +1119,7 @@
           <a:p>
             <a:fld id="{E16D63D6-C02A-4A27-BFA8-87D76AD2251A}" type="datetimeFigureOut">
               <a:rPr lang="pt-BR" smtClean="0"/>
-              <a:t>12/09/2020</a:t>
+              <a:t>13/09/2020</a:t>
             </a:fld>
             <a:endParaRPr lang="pt-BR"/>
           </a:p>
@@ -1568,7 +1573,7 @@
           <a:p>
             <a:fld id="{E16D63D6-C02A-4A27-BFA8-87D76AD2251A}" type="datetimeFigureOut">
               <a:rPr lang="pt-BR" smtClean="0"/>
-              <a:t>12/09/2020</a:t>
+              <a:t>13/09/2020</a:t>
             </a:fld>
             <a:endParaRPr lang="pt-BR"/>
           </a:p>
@@ -2144,7 +2149,7 @@
           <a:p>
             <a:fld id="{E16D63D6-C02A-4A27-BFA8-87D76AD2251A}" type="datetimeFigureOut">
               <a:rPr lang="pt-BR" smtClean="0"/>
-              <a:t>12/09/2020</a:t>
+              <a:t>13/09/2020</a:t>
             </a:fld>
             <a:endParaRPr lang="pt-BR"/>
           </a:p>
@@ -2996,7 +3001,7 @@
           <a:p>
             <a:fld id="{E16D63D6-C02A-4A27-BFA8-87D76AD2251A}" type="datetimeFigureOut">
               <a:rPr lang="pt-BR" smtClean="0"/>
-              <a:t>12/09/2020</a:t>
+              <a:t>13/09/2020</a:t>
             </a:fld>
             <a:endParaRPr lang="pt-BR"/>
           </a:p>
@@ -3201,7 +3206,7 @@
           <a:p>
             <a:fld id="{E16D63D6-C02A-4A27-BFA8-87D76AD2251A}" type="datetimeFigureOut">
               <a:rPr lang="pt-BR" smtClean="0"/>
-              <a:t>12/09/2020</a:t>
+              <a:t>13/09/2020</a:t>
             </a:fld>
             <a:endParaRPr lang="pt-BR"/>
           </a:p>
@@ -3415,7 +3420,7 @@
           <a:p>
             <a:fld id="{E16D63D6-C02A-4A27-BFA8-87D76AD2251A}" type="datetimeFigureOut">
               <a:rPr lang="pt-BR" smtClean="0"/>
-              <a:t>12/09/2020</a:t>
+              <a:t>13/09/2020</a:t>
             </a:fld>
             <a:endParaRPr lang="pt-BR"/>
           </a:p>
@@ -3589,7 +3594,7 @@
           <a:p>
             <a:fld id="{E16D63D6-C02A-4A27-BFA8-87D76AD2251A}" type="datetimeFigureOut">
               <a:rPr lang="pt-BR" smtClean="0"/>
-              <a:t>12/09/2020</a:t>
+              <a:t>13/09/2020</a:t>
             </a:fld>
             <a:endParaRPr lang="pt-BR"/>
           </a:p>
@@ -3794,7 +3799,7 @@
           <a:p>
             <a:fld id="{E16D63D6-C02A-4A27-BFA8-87D76AD2251A}" type="datetimeFigureOut">
               <a:rPr lang="pt-BR" smtClean="0"/>
-              <a:t>12/09/2020</a:t>
+              <a:t>13/09/2020</a:t>
             </a:fld>
             <a:endParaRPr lang="pt-BR"/>
           </a:p>
@@ -4074,7 +4079,7 @@
           <a:p>
             <a:fld id="{E16D63D6-C02A-4A27-BFA8-87D76AD2251A}" type="datetimeFigureOut">
               <a:rPr lang="pt-BR" smtClean="0"/>
-              <a:t>12/09/2020</a:t>
+              <a:t>13/09/2020</a:t>
             </a:fld>
             <a:endParaRPr lang="pt-BR"/>
           </a:p>
@@ -4341,7 +4346,7 @@
           <a:p>
             <a:fld id="{E16D63D6-C02A-4A27-BFA8-87D76AD2251A}" type="datetimeFigureOut">
               <a:rPr lang="pt-BR" smtClean="0"/>
-              <a:t>12/09/2020</a:t>
+              <a:t>13/09/2020</a:t>
             </a:fld>
             <a:endParaRPr lang="pt-BR"/>
           </a:p>
@@ -4756,7 +4761,7 @@
           <a:p>
             <a:fld id="{E16D63D6-C02A-4A27-BFA8-87D76AD2251A}" type="datetimeFigureOut">
               <a:rPr lang="pt-BR" smtClean="0"/>
-              <a:t>12/09/2020</a:t>
+              <a:t>13/09/2020</a:t>
             </a:fld>
             <a:endParaRPr lang="pt-BR"/>
           </a:p>
@@ -4904,7 +4909,7 @@
           <a:p>
             <a:fld id="{E16D63D6-C02A-4A27-BFA8-87D76AD2251A}" type="datetimeFigureOut">
               <a:rPr lang="pt-BR" smtClean="0"/>
-              <a:t>12/09/2020</a:t>
+              <a:t>13/09/2020</a:t>
             </a:fld>
             <a:endParaRPr lang="pt-BR"/>
           </a:p>
@@ -5029,7 +5034,7 @@
           <a:p>
             <a:fld id="{E16D63D6-C02A-4A27-BFA8-87D76AD2251A}" type="datetimeFigureOut">
               <a:rPr lang="pt-BR" smtClean="0"/>
-              <a:t>12/09/2020</a:t>
+              <a:t>13/09/2020</a:t>
             </a:fld>
             <a:endParaRPr lang="pt-BR"/>
           </a:p>
@@ -5308,7 +5313,7 @@
           <a:p>
             <a:fld id="{E16D63D6-C02A-4A27-BFA8-87D76AD2251A}" type="datetimeFigureOut">
               <a:rPr lang="pt-BR" smtClean="0"/>
-              <a:t>12/09/2020</a:t>
+              <a:t>13/09/2020</a:t>
             </a:fld>
             <a:endParaRPr lang="pt-BR"/>
           </a:p>
@@ -5620,7 +5625,7 @@
           <a:p>
             <a:fld id="{E16D63D6-C02A-4A27-BFA8-87D76AD2251A}" type="datetimeFigureOut">
               <a:rPr lang="pt-BR" smtClean="0"/>
-              <a:t>12/09/2020</a:t>
+              <a:t>13/09/2020</a:t>
             </a:fld>
             <a:endParaRPr lang="pt-BR"/>
           </a:p>
@@ -5873,7 +5878,7 @@
           <a:p>
             <a:fld id="{E16D63D6-C02A-4A27-BFA8-87D76AD2251A}" type="datetimeFigureOut">
               <a:rPr lang="pt-BR" smtClean="0"/>
-              <a:t>12/09/2020</a:t>
+              <a:t>13/09/2020</a:t>
             </a:fld>
             <a:endParaRPr lang="pt-BR"/>
           </a:p>
@@ -6381,7 +6386,1705 @@
 </p:sld>
 </file>
 
+<file path=ppt/slides/slide10.xml><?xml version="1.0" encoding="utf-8"?>
+<p:sld xmlns:a="http://schemas.openxmlformats.org/drawingml/2006/main" xmlns:r="http://schemas.openxmlformats.org/officeDocument/2006/relationships" xmlns:p="http://schemas.openxmlformats.org/presentationml/2006/main">
+  <p:cSld>
+    <p:spTree>
+      <p:nvGrpSpPr>
+        <p:cNvPr id="1" name=""/>
+        <p:cNvGrpSpPr/>
+        <p:nvPr/>
+      </p:nvGrpSpPr>
+      <p:grpSpPr>
+        <a:xfrm>
+          <a:off x="0" y="0"/>
+          <a:ext cx="0" cy="0"/>
+          <a:chOff x="0" y="0"/>
+          <a:chExt cx="0" cy="0"/>
+        </a:xfrm>
+      </p:grpSpPr>
+      <p:sp>
+        <p:nvSpPr>
+          <p:cNvPr id="2" name="Título 1">
+            <a:extLst>
+              <a:ext uri="{FF2B5EF4-FFF2-40B4-BE49-F238E27FC236}">
+                <a16:creationId xmlns:a16="http://schemas.microsoft.com/office/drawing/2014/main" id="{5A26C166-0D36-40BA-83E5-D7B77FC480CD}"/>
+              </a:ext>
+            </a:extLst>
+          </p:cNvPr>
+          <p:cNvSpPr>
+            <a:spLocks noGrp="1"/>
+          </p:cNvSpPr>
+          <p:nvPr>
+            <p:ph type="title"/>
+          </p:nvPr>
+        </p:nvSpPr>
+        <p:spPr>
+          <a:xfrm>
+            <a:off x="152400" y="149225"/>
+            <a:ext cx="10515600" cy="752475"/>
+          </a:xfrm>
+        </p:spPr>
+        <p:txBody>
+          <a:bodyPr/>
+          <a:lstStyle/>
+          <a:p>
+            <a:r>
+              <a:rPr lang="pt-BR" dirty="0"/>
+              <a:t>fog </a:t>
+            </a:r>
+            <a:r>
+              <a:rPr lang="pt-BR" dirty="0" err="1"/>
+              <a:t>computing</a:t>
+            </a:r>
+            <a:endParaRPr lang="pt-BR" dirty="0"/>
+          </a:p>
+        </p:txBody>
+      </p:sp>
+      <p:sp>
+        <p:nvSpPr>
+          <p:cNvPr id="3" name="Espaço Reservado para Conteúdo 2">
+            <a:extLst>
+              <a:ext uri="{FF2B5EF4-FFF2-40B4-BE49-F238E27FC236}">
+                <a16:creationId xmlns:a16="http://schemas.microsoft.com/office/drawing/2014/main" id="{F0CCC276-58C3-47C2-B98A-220879AADC00}"/>
+              </a:ext>
+            </a:extLst>
+          </p:cNvPr>
+          <p:cNvSpPr>
+            <a:spLocks noGrp="1"/>
+          </p:cNvSpPr>
+          <p:nvPr>
+            <p:ph idx="1"/>
+          </p:nvPr>
+        </p:nvSpPr>
+        <p:spPr>
+          <a:xfrm>
+            <a:off x="152400" y="1143000"/>
+            <a:ext cx="11861800" cy="5565775"/>
+          </a:xfrm>
+        </p:spPr>
+        <p:txBody>
+          <a:bodyPr/>
+          <a:lstStyle/>
+          <a:p>
+            <a:r>
+              <a:rPr lang="fr-FR" dirty="0"/>
+              <a:t>energy efficient message dissemination (E²MD) - </a:t>
+            </a:r>
+            <a:r>
+              <a:rPr lang="pt-BR" dirty="0"/>
+              <a:t>eficiência energética na disseminação de mensagem</a:t>
+            </a:r>
+          </a:p>
+          <a:p>
+            <a:r>
+              <a:rPr lang="pt-BR" dirty="0"/>
+              <a:t>local server – AO invés de enviar dados remotamente, é criado um servidor local entre os carros próximos.</a:t>
+            </a:r>
+          </a:p>
+          <a:p>
+            <a:r>
+              <a:rPr lang="en-US" dirty="0"/>
+              <a:t>distributes data and process locally – </a:t>
+            </a:r>
+            <a:r>
+              <a:rPr lang="en-US" dirty="0" err="1"/>
+              <a:t>os</a:t>
+            </a:r>
+            <a:r>
+              <a:rPr lang="en-US" dirty="0"/>
+              <a:t> dados </a:t>
+            </a:r>
+            <a:r>
+              <a:rPr lang="en-US" dirty="0" err="1"/>
+              <a:t>são</a:t>
+            </a:r>
+            <a:r>
+              <a:rPr lang="en-US" dirty="0"/>
+              <a:t> </a:t>
+            </a:r>
+            <a:r>
+              <a:rPr lang="en-US" dirty="0" err="1"/>
+              <a:t>compartilhados</a:t>
+            </a:r>
+            <a:r>
+              <a:rPr lang="en-US" dirty="0"/>
+              <a:t> e </a:t>
+            </a:r>
+            <a:r>
+              <a:rPr lang="en-US" dirty="0" err="1"/>
+              <a:t>processados</a:t>
+            </a:r>
+            <a:r>
+              <a:rPr lang="en-US" dirty="0"/>
+              <a:t> </a:t>
+            </a:r>
+            <a:r>
+              <a:rPr lang="en-US" dirty="0" err="1"/>
+              <a:t>localmente</a:t>
+            </a:r>
+            <a:endParaRPr lang="en-US" dirty="0"/>
+          </a:p>
+          <a:p>
+            <a:r>
+              <a:rPr lang="en-US" dirty="0"/>
+              <a:t>chooses the most reliable vehicle that has the shortest route</a:t>
+            </a:r>
+            <a:endParaRPr lang="pt-BR" dirty="0"/>
+          </a:p>
+          <a:p>
+            <a:pPr marL="0" indent="0">
+              <a:buNone/>
+            </a:pPr>
+            <a:r>
+              <a:rPr lang="en-US" dirty="0"/>
+              <a:t>    - </a:t>
+            </a:r>
+            <a:r>
+              <a:rPr lang="pt-BR" dirty="0"/>
+              <a:t>escolhe o veículo mais confiável que tem o caminho mais curto</a:t>
+            </a:r>
+          </a:p>
+          <a:p>
+            <a:pPr marL="0" indent="0">
+              <a:buNone/>
+            </a:pPr>
+            <a:endParaRPr lang="en-US" dirty="0"/>
+          </a:p>
+          <a:p>
+            <a:endParaRPr lang="pt-BR" dirty="0"/>
+          </a:p>
+        </p:txBody>
+      </p:sp>
+      <p:pic>
+        <p:nvPicPr>
+          <p:cNvPr id="7" name="Imagem 6">
+            <a:extLst>
+              <a:ext uri="{FF2B5EF4-FFF2-40B4-BE49-F238E27FC236}">
+                <a16:creationId xmlns:a16="http://schemas.microsoft.com/office/drawing/2014/main" id="{E31BCFA8-6641-4AF5-BC5E-0293AE2FAFBF}"/>
+              </a:ext>
+            </a:extLst>
+          </p:cNvPr>
+          <p:cNvPicPr>
+            <a:picLocks noChangeAspect="1"/>
+          </p:cNvPicPr>
+          <p:nvPr/>
+        </p:nvPicPr>
+        <p:blipFill>
+          <a:blip r:embed="rId2">
+            <a:extLst>
+              <a:ext uri="{28A0092B-C50C-407E-A947-70E740481C1C}">
+                <a14:useLocalDpi xmlns:a14="http://schemas.microsoft.com/office/drawing/2010/main" val="0"/>
+              </a:ext>
+            </a:extLst>
+          </a:blip>
+          <a:stretch>
+            <a:fillRect/>
+          </a:stretch>
+        </p:blipFill>
+        <p:spPr>
+          <a:xfrm>
+            <a:off x="9242425" y="149225"/>
+            <a:ext cx="2771775" cy="1000125"/>
+          </a:xfrm>
+          <a:prstGeom prst="rect">
+            <a:avLst/>
+          </a:prstGeom>
+        </p:spPr>
+      </p:pic>
+      <p:sp>
+        <p:nvSpPr>
+          <p:cNvPr id="8" name="CaixaDeTexto 7">
+            <a:extLst>
+              <a:ext uri="{FF2B5EF4-FFF2-40B4-BE49-F238E27FC236}">
+                <a16:creationId xmlns:a16="http://schemas.microsoft.com/office/drawing/2014/main" id="{096A67F7-0414-4281-A519-A5459EFE7DD8}"/>
+              </a:ext>
+            </a:extLst>
+          </p:cNvPr>
+          <p:cNvSpPr txBox="1"/>
+          <p:nvPr/>
+        </p:nvSpPr>
+        <p:spPr>
+          <a:xfrm>
+            <a:off x="3140927" y="6524109"/>
+            <a:ext cx="4538546" cy="369332"/>
+          </a:xfrm>
+          <a:prstGeom prst="rect">
+            <a:avLst/>
+          </a:prstGeom>
+          <a:noFill/>
+        </p:spPr>
+        <p:txBody>
+          <a:bodyPr wrap="square" rtlCol="0">
+            <a:spAutoFit/>
+          </a:bodyPr>
+          <a:lstStyle/>
+          <a:p>
+            <a:pPr algn="ctr"/>
+            <a:r>
+              <a:rPr lang="pt-BR" dirty="0"/>
+              <a:t>SCCS – Professor Weslley Torres</a:t>
+            </a:r>
+          </a:p>
+        </p:txBody>
+      </p:sp>
+    </p:spTree>
+    <p:extLst>
+      <p:ext uri="{BB962C8B-B14F-4D97-AF65-F5344CB8AC3E}">
+        <p14:creationId xmlns:p14="http://schemas.microsoft.com/office/powerpoint/2010/main" val="921165810"/>
+      </p:ext>
+    </p:extLst>
+  </p:cSld>
+  <p:clrMapOvr>
+    <a:masterClrMapping/>
+  </p:clrMapOvr>
+</p:sld>
+</file>
+
+<file path=ppt/slides/slide11.xml><?xml version="1.0" encoding="utf-8"?>
+<p:sld xmlns:a="http://schemas.openxmlformats.org/drawingml/2006/main" xmlns:r="http://schemas.openxmlformats.org/officeDocument/2006/relationships" xmlns:p="http://schemas.openxmlformats.org/presentationml/2006/main">
+  <p:cSld>
+    <p:spTree>
+      <p:nvGrpSpPr>
+        <p:cNvPr id="1" name=""/>
+        <p:cNvGrpSpPr/>
+        <p:nvPr/>
+      </p:nvGrpSpPr>
+      <p:grpSpPr>
+        <a:xfrm>
+          <a:off x="0" y="0"/>
+          <a:ext cx="0" cy="0"/>
+          <a:chOff x="0" y="0"/>
+          <a:chExt cx="0" cy="0"/>
+        </a:xfrm>
+      </p:grpSpPr>
+      <p:sp>
+        <p:nvSpPr>
+          <p:cNvPr id="2" name="Título 1">
+            <a:extLst>
+              <a:ext uri="{FF2B5EF4-FFF2-40B4-BE49-F238E27FC236}">
+                <a16:creationId xmlns:a16="http://schemas.microsoft.com/office/drawing/2014/main" id="{5A26C166-0D36-40BA-83E5-D7B77FC480CD}"/>
+              </a:ext>
+            </a:extLst>
+          </p:cNvPr>
+          <p:cNvSpPr>
+            <a:spLocks noGrp="1"/>
+          </p:cNvSpPr>
+          <p:nvPr>
+            <p:ph type="title"/>
+          </p:nvPr>
+        </p:nvSpPr>
+        <p:spPr>
+          <a:xfrm>
+            <a:off x="152400" y="149225"/>
+            <a:ext cx="10515600" cy="752475"/>
+          </a:xfrm>
+        </p:spPr>
+        <p:txBody>
+          <a:bodyPr/>
+          <a:lstStyle/>
+          <a:p>
+            <a:r>
+              <a:rPr lang="pt-BR" dirty="0" err="1"/>
+              <a:t>problem</a:t>
+            </a:r>
+            <a:r>
+              <a:rPr lang="pt-BR" dirty="0"/>
+              <a:t> </a:t>
+            </a:r>
+            <a:r>
+              <a:rPr lang="pt-BR" dirty="0" err="1"/>
+              <a:t>solving</a:t>
+            </a:r>
+            <a:r>
+              <a:rPr lang="pt-BR" dirty="0"/>
+              <a:t> </a:t>
+            </a:r>
+            <a:r>
+              <a:rPr lang="pt-BR" dirty="0" err="1"/>
+              <a:t>schemes</a:t>
+            </a:r>
+            <a:endParaRPr lang="pt-BR" dirty="0"/>
+          </a:p>
+        </p:txBody>
+      </p:sp>
+      <p:sp>
+        <p:nvSpPr>
+          <p:cNvPr id="3" name="Espaço Reservado para Conteúdo 2">
+            <a:extLst>
+              <a:ext uri="{FF2B5EF4-FFF2-40B4-BE49-F238E27FC236}">
+                <a16:creationId xmlns:a16="http://schemas.microsoft.com/office/drawing/2014/main" id="{F0CCC276-58C3-47C2-B98A-220879AADC00}"/>
+              </a:ext>
+            </a:extLst>
+          </p:cNvPr>
+          <p:cNvSpPr>
+            <a:spLocks noGrp="1"/>
+          </p:cNvSpPr>
+          <p:nvPr>
+            <p:ph idx="1"/>
+          </p:nvPr>
+        </p:nvSpPr>
+        <p:spPr>
+          <a:xfrm>
+            <a:off x="152400" y="1143000"/>
+            <a:ext cx="11861800" cy="5565775"/>
+          </a:xfrm>
+        </p:spPr>
+        <p:txBody>
+          <a:bodyPr/>
+          <a:lstStyle/>
+          <a:p>
+            <a:r>
+              <a:rPr lang="pt-BR" dirty="0"/>
+              <a:t>Bandwidth </a:t>
+            </a:r>
+            <a:r>
+              <a:rPr lang="pt-BR" dirty="0" err="1"/>
+              <a:t>control‑based</a:t>
+            </a:r>
+            <a:r>
+              <a:rPr lang="pt-BR" dirty="0"/>
+              <a:t> </a:t>
+            </a:r>
+            <a:r>
+              <a:rPr lang="pt-BR" dirty="0" err="1"/>
+              <a:t>schemes</a:t>
+            </a:r>
+            <a:endParaRPr lang="pt-BR" dirty="0"/>
+          </a:p>
+          <a:p>
+            <a:pPr marL="0" indent="0">
+              <a:buNone/>
+            </a:pPr>
+            <a:r>
+              <a:rPr lang="pt-BR" dirty="0"/>
+              <a:t>- Esquemas baseados em controle de largura de banda </a:t>
+            </a:r>
+          </a:p>
+          <a:p>
+            <a:pPr marL="0" indent="0">
+              <a:buNone/>
+            </a:pPr>
+            <a:r>
+              <a:rPr lang="pt-BR" dirty="0"/>
+              <a:t>- tempestades de mensagens e a desconexão devido para alto consumo de largura de banda</a:t>
+            </a:r>
+          </a:p>
+          <a:p>
+            <a:pPr marL="0" indent="0">
+              <a:buNone/>
+            </a:pPr>
+            <a:r>
+              <a:rPr lang="pt-BR" dirty="0"/>
+              <a:t>- reduz o número de mensagens repetidas em nível local, consumindo menos largura de banda</a:t>
+            </a:r>
+          </a:p>
+          <a:p>
+            <a:pPr>
+              <a:buFontTx/>
+              <a:buChar char="-"/>
+            </a:pPr>
+            <a:endParaRPr lang="pt-BR" dirty="0"/>
+          </a:p>
+          <a:p>
+            <a:r>
+              <a:rPr lang="pt-BR" dirty="0" err="1"/>
+              <a:t>Transmission</a:t>
+            </a:r>
+            <a:r>
+              <a:rPr lang="pt-BR" dirty="0"/>
+              <a:t> </a:t>
+            </a:r>
+            <a:r>
+              <a:rPr lang="pt-BR" dirty="0" err="1"/>
+              <a:t>power</a:t>
+            </a:r>
+            <a:r>
+              <a:rPr lang="pt-BR" dirty="0"/>
+              <a:t> </a:t>
+            </a:r>
+            <a:r>
+              <a:rPr lang="pt-BR" dirty="0" err="1"/>
+              <a:t>based</a:t>
+            </a:r>
+            <a:r>
+              <a:rPr lang="pt-BR" dirty="0"/>
+              <a:t> </a:t>
+            </a:r>
+            <a:r>
+              <a:rPr lang="pt-BR" dirty="0" err="1"/>
+              <a:t>schemes</a:t>
+            </a:r>
+            <a:endParaRPr lang="pt-BR" dirty="0"/>
+          </a:p>
+          <a:p>
+            <a:pPr>
+              <a:buFontTx/>
+              <a:buChar char="-"/>
+            </a:pPr>
+            <a:r>
+              <a:rPr lang="pt-BR" dirty="0"/>
+              <a:t>Esquemas baseados em potência de transmissão</a:t>
+            </a:r>
+          </a:p>
+          <a:p>
+            <a:pPr marL="0" indent="0">
+              <a:buNone/>
+            </a:pPr>
+            <a:r>
+              <a:rPr lang="pt-BR" dirty="0"/>
+              <a:t>-  A tempestade  de mensagens é o resultado da alta potência da largura de banda durante a transmissão de mensagens repetidas em um canal exclusivo </a:t>
+            </a:r>
+          </a:p>
+          <a:p>
+            <a:pPr>
+              <a:buFontTx/>
+              <a:buChar char="-"/>
+            </a:pPr>
+            <a:r>
+              <a:rPr lang="pt-BR" dirty="0"/>
+              <a:t>Controle da potência de transmissão</a:t>
+            </a:r>
+          </a:p>
+          <a:p>
+            <a:pPr>
+              <a:buFontTx/>
+              <a:buChar char="-"/>
+            </a:pPr>
+            <a:endParaRPr lang="pt-BR" dirty="0"/>
+          </a:p>
+        </p:txBody>
+      </p:sp>
+      <p:pic>
+        <p:nvPicPr>
+          <p:cNvPr id="7" name="Imagem 6">
+            <a:extLst>
+              <a:ext uri="{FF2B5EF4-FFF2-40B4-BE49-F238E27FC236}">
+                <a16:creationId xmlns:a16="http://schemas.microsoft.com/office/drawing/2014/main" id="{E31BCFA8-6641-4AF5-BC5E-0293AE2FAFBF}"/>
+              </a:ext>
+            </a:extLst>
+          </p:cNvPr>
+          <p:cNvPicPr>
+            <a:picLocks noChangeAspect="1"/>
+          </p:cNvPicPr>
+          <p:nvPr/>
+        </p:nvPicPr>
+        <p:blipFill>
+          <a:blip r:embed="rId2">
+            <a:extLst>
+              <a:ext uri="{28A0092B-C50C-407E-A947-70E740481C1C}">
+                <a14:useLocalDpi xmlns:a14="http://schemas.microsoft.com/office/drawing/2010/main" val="0"/>
+              </a:ext>
+            </a:extLst>
+          </a:blip>
+          <a:stretch>
+            <a:fillRect/>
+          </a:stretch>
+        </p:blipFill>
+        <p:spPr>
+          <a:xfrm>
+            <a:off x="9242425" y="149225"/>
+            <a:ext cx="2771775" cy="1000125"/>
+          </a:xfrm>
+          <a:prstGeom prst="rect">
+            <a:avLst/>
+          </a:prstGeom>
+        </p:spPr>
+      </p:pic>
+      <p:sp>
+        <p:nvSpPr>
+          <p:cNvPr id="8" name="CaixaDeTexto 7">
+            <a:extLst>
+              <a:ext uri="{FF2B5EF4-FFF2-40B4-BE49-F238E27FC236}">
+                <a16:creationId xmlns:a16="http://schemas.microsoft.com/office/drawing/2014/main" id="{096A67F7-0414-4281-A519-A5459EFE7DD8}"/>
+              </a:ext>
+            </a:extLst>
+          </p:cNvPr>
+          <p:cNvSpPr txBox="1"/>
+          <p:nvPr/>
+        </p:nvSpPr>
+        <p:spPr>
+          <a:xfrm>
+            <a:off x="3140927" y="6524109"/>
+            <a:ext cx="4538546" cy="369332"/>
+          </a:xfrm>
+          <a:prstGeom prst="rect">
+            <a:avLst/>
+          </a:prstGeom>
+          <a:noFill/>
+        </p:spPr>
+        <p:txBody>
+          <a:bodyPr wrap="square" rtlCol="0">
+            <a:spAutoFit/>
+          </a:bodyPr>
+          <a:lstStyle/>
+          <a:p>
+            <a:pPr algn="ctr"/>
+            <a:r>
+              <a:rPr lang="pt-BR" dirty="0"/>
+              <a:t>SCCS – Professor Weslley Torres</a:t>
+            </a:r>
+          </a:p>
+        </p:txBody>
+      </p:sp>
+    </p:spTree>
+    <p:extLst>
+      <p:ext uri="{BB962C8B-B14F-4D97-AF65-F5344CB8AC3E}">
+        <p14:creationId xmlns:p14="http://schemas.microsoft.com/office/powerpoint/2010/main" val="71474449"/>
+      </p:ext>
+    </p:extLst>
+  </p:cSld>
+  <p:clrMapOvr>
+    <a:masterClrMapping/>
+  </p:clrMapOvr>
+</p:sld>
+</file>
+
+<file path=ppt/slides/slide12.xml><?xml version="1.0" encoding="utf-8"?>
+<p:sld xmlns:a="http://schemas.openxmlformats.org/drawingml/2006/main" xmlns:r="http://schemas.openxmlformats.org/officeDocument/2006/relationships" xmlns:p="http://schemas.openxmlformats.org/presentationml/2006/main">
+  <p:cSld>
+    <p:spTree>
+      <p:nvGrpSpPr>
+        <p:cNvPr id="1" name=""/>
+        <p:cNvGrpSpPr/>
+        <p:nvPr/>
+      </p:nvGrpSpPr>
+      <p:grpSpPr>
+        <a:xfrm>
+          <a:off x="0" y="0"/>
+          <a:ext cx="0" cy="0"/>
+          <a:chOff x="0" y="0"/>
+          <a:chExt cx="0" cy="0"/>
+        </a:xfrm>
+      </p:grpSpPr>
+      <p:sp>
+        <p:nvSpPr>
+          <p:cNvPr id="2" name="Título 1">
+            <a:extLst>
+              <a:ext uri="{FF2B5EF4-FFF2-40B4-BE49-F238E27FC236}">
+                <a16:creationId xmlns:a16="http://schemas.microsoft.com/office/drawing/2014/main" id="{5A26C166-0D36-40BA-83E5-D7B77FC480CD}"/>
+              </a:ext>
+            </a:extLst>
+          </p:cNvPr>
+          <p:cNvSpPr>
+            <a:spLocks noGrp="1"/>
+          </p:cNvSpPr>
+          <p:nvPr>
+            <p:ph type="title"/>
+          </p:nvPr>
+        </p:nvSpPr>
+        <p:spPr>
+          <a:xfrm>
+            <a:off x="152400" y="149225"/>
+            <a:ext cx="10515600" cy="752475"/>
+          </a:xfrm>
+        </p:spPr>
+        <p:txBody>
+          <a:bodyPr/>
+          <a:lstStyle/>
+          <a:p>
+            <a:r>
+              <a:rPr lang="pt-BR" dirty="0" err="1"/>
+              <a:t>problem</a:t>
+            </a:r>
+            <a:r>
+              <a:rPr lang="pt-BR" dirty="0"/>
+              <a:t> </a:t>
+            </a:r>
+            <a:r>
+              <a:rPr lang="pt-BR" dirty="0" err="1"/>
+              <a:t>solving</a:t>
+            </a:r>
+            <a:r>
+              <a:rPr lang="pt-BR" dirty="0"/>
+              <a:t> </a:t>
+            </a:r>
+            <a:r>
+              <a:rPr lang="pt-BR" dirty="0" err="1"/>
+              <a:t>schemes</a:t>
+            </a:r>
+            <a:endParaRPr lang="pt-BR" dirty="0"/>
+          </a:p>
+        </p:txBody>
+      </p:sp>
+      <p:sp>
+        <p:nvSpPr>
+          <p:cNvPr id="3" name="Espaço Reservado para Conteúdo 2">
+            <a:extLst>
+              <a:ext uri="{FF2B5EF4-FFF2-40B4-BE49-F238E27FC236}">
+                <a16:creationId xmlns:a16="http://schemas.microsoft.com/office/drawing/2014/main" id="{F0CCC276-58C3-47C2-B98A-220879AADC00}"/>
+              </a:ext>
+            </a:extLst>
+          </p:cNvPr>
+          <p:cNvSpPr>
+            <a:spLocks noGrp="1"/>
+          </p:cNvSpPr>
+          <p:nvPr>
+            <p:ph idx="1"/>
+          </p:nvPr>
+        </p:nvSpPr>
+        <p:spPr>
+          <a:xfrm>
+            <a:off x="152400" y="1143000"/>
+            <a:ext cx="11861800" cy="5565775"/>
+          </a:xfrm>
+        </p:spPr>
+        <p:txBody>
+          <a:bodyPr/>
+          <a:lstStyle/>
+          <a:p>
+            <a:r>
+              <a:rPr lang="pt-BR" dirty="0" err="1"/>
+              <a:t>Segmentation</a:t>
+            </a:r>
+            <a:r>
+              <a:rPr lang="pt-BR" dirty="0"/>
+              <a:t> </a:t>
+            </a:r>
+            <a:r>
+              <a:rPr lang="pt-BR" dirty="0" err="1"/>
+              <a:t>based</a:t>
+            </a:r>
+            <a:r>
+              <a:rPr lang="pt-BR" dirty="0"/>
+              <a:t> </a:t>
+            </a:r>
+            <a:r>
+              <a:rPr lang="pt-BR" dirty="0" err="1"/>
+              <a:t>schemes</a:t>
+            </a:r>
+            <a:endParaRPr lang="pt-BR" dirty="0"/>
+          </a:p>
+          <a:p>
+            <a:pPr>
+              <a:buFontTx/>
+              <a:buChar char="-"/>
+            </a:pPr>
+            <a:r>
+              <a:rPr lang="pt-BR" dirty="0"/>
+              <a:t>Esquemas baseados em segmentação</a:t>
+            </a:r>
+          </a:p>
+          <a:p>
+            <a:pPr>
+              <a:buFontTx/>
+              <a:buChar char="-"/>
+            </a:pPr>
+            <a:r>
+              <a:rPr lang="pt-BR" dirty="0"/>
+              <a:t>A segmentação é um processo de divisão de uma grande área em segmentos onde uma área pequena ou específica é considerada como um segmento.</a:t>
+            </a:r>
+          </a:p>
+          <a:p>
+            <a:pPr>
+              <a:buFontTx/>
+              <a:buChar char="-"/>
+            </a:pPr>
+            <a:r>
+              <a:rPr lang="pt-BR" dirty="0"/>
+              <a:t>Menos atraso na distribuição de dados e melhora confiabilidade mas não é adequado em ambiente espaçosos</a:t>
+            </a:r>
+          </a:p>
+          <a:p>
+            <a:pPr>
+              <a:buFontTx/>
+              <a:buChar char="-"/>
+            </a:pPr>
+            <a:endParaRPr lang="pt-BR" dirty="0"/>
+          </a:p>
+          <a:p>
+            <a:endParaRPr lang="pt-BR" dirty="0"/>
+          </a:p>
+        </p:txBody>
+      </p:sp>
+      <p:pic>
+        <p:nvPicPr>
+          <p:cNvPr id="7" name="Imagem 6">
+            <a:extLst>
+              <a:ext uri="{FF2B5EF4-FFF2-40B4-BE49-F238E27FC236}">
+                <a16:creationId xmlns:a16="http://schemas.microsoft.com/office/drawing/2014/main" id="{E31BCFA8-6641-4AF5-BC5E-0293AE2FAFBF}"/>
+              </a:ext>
+            </a:extLst>
+          </p:cNvPr>
+          <p:cNvPicPr>
+            <a:picLocks noChangeAspect="1"/>
+          </p:cNvPicPr>
+          <p:nvPr/>
+        </p:nvPicPr>
+        <p:blipFill>
+          <a:blip r:embed="rId2">
+            <a:extLst>
+              <a:ext uri="{28A0092B-C50C-407E-A947-70E740481C1C}">
+                <a14:useLocalDpi xmlns:a14="http://schemas.microsoft.com/office/drawing/2010/main" val="0"/>
+              </a:ext>
+            </a:extLst>
+          </a:blip>
+          <a:stretch>
+            <a:fillRect/>
+          </a:stretch>
+        </p:blipFill>
+        <p:spPr>
+          <a:xfrm>
+            <a:off x="9242425" y="149225"/>
+            <a:ext cx="2771775" cy="1000125"/>
+          </a:xfrm>
+          <a:prstGeom prst="rect">
+            <a:avLst/>
+          </a:prstGeom>
+        </p:spPr>
+      </p:pic>
+      <p:sp>
+        <p:nvSpPr>
+          <p:cNvPr id="8" name="CaixaDeTexto 7">
+            <a:extLst>
+              <a:ext uri="{FF2B5EF4-FFF2-40B4-BE49-F238E27FC236}">
+                <a16:creationId xmlns:a16="http://schemas.microsoft.com/office/drawing/2014/main" id="{096A67F7-0414-4281-A519-A5459EFE7DD8}"/>
+              </a:ext>
+            </a:extLst>
+          </p:cNvPr>
+          <p:cNvSpPr txBox="1"/>
+          <p:nvPr/>
+        </p:nvSpPr>
+        <p:spPr>
+          <a:xfrm>
+            <a:off x="3140927" y="6524109"/>
+            <a:ext cx="4538546" cy="369332"/>
+          </a:xfrm>
+          <a:prstGeom prst="rect">
+            <a:avLst/>
+          </a:prstGeom>
+          <a:noFill/>
+        </p:spPr>
+        <p:txBody>
+          <a:bodyPr wrap="square" rtlCol="0">
+            <a:spAutoFit/>
+          </a:bodyPr>
+          <a:lstStyle/>
+          <a:p>
+            <a:pPr algn="ctr"/>
+            <a:r>
+              <a:rPr lang="pt-BR" dirty="0"/>
+              <a:t>SCCS – Professor Weslley Torres</a:t>
+            </a:r>
+          </a:p>
+        </p:txBody>
+      </p:sp>
+    </p:spTree>
+    <p:extLst>
+      <p:ext uri="{BB962C8B-B14F-4D97-AF65-F5344CB8AC3E}">
+        <p14:creationId xmlns:p14="http://schemas.microsoft.com/office/powerpoint/2010/main" val="2836488329"/>
+      </p:ext>
+    </p:extLst>
+  </p:cSld>
+  <p:clrMapOvr>
+    <a:masterClrMapping/>
+  </p:clrMapOvr>
+</p:sld>
+</file>
+
 <file path=ppt/slides/slide2.xml><?xml version="1.0" encoding="utf-8"?>
+<p:sld xmlns:a="http://schemas.openxmlformats.org/drawingml/2006/main" xmlns:r="http://schemas.openxmlformats.org/officeDocument/2006/relationships" xmlns:p="http://schemas.openxmlformats.org/presentationml/2006/main">
+  <p:cSld>
+    <p:spTree>
+      <p:nvGrpSpPr>
+        <p:cNvPr id="1" name=""/>
+        <p:cNvGrpSpPr/>
+        <p:nvPr/>
+      </p:nvGrpSpPr>
+      <p:grpSpPr>
+        <a:xfrm>
+          <a:off x="0" y="0"/>
+          <a:ext cx="0" cy="0"/>
+          <a:chOff x="0" y="0"/>
+          <a:chExt cx="0" cy="0"/>
+        </a:xfrm>
+      </p:grpSpPr>
+      <p:sp>
+        <p:nvSpPr>
+          <p:cNvPr id="2" name="Título 1">
+            <a:extLst>
+              <a:ext uri="{FF2B5EF4-FFF2-40B4-BE49-F238E27FC236}">
+                <a16:creationId xmlns:a16="http://schemas.microsoft.com/office/drawing/2014/main" id="{5A26C166-0D36-40BA-83E5-D7B77FC480CD}"/>
+              </a:ext>
+            </a:extLst>
+          </p:cNvPr>
+          <p:cNvSpPr>
+            <a:spLocks noGrp="1"/>
+          </p:cNvSpPr>
+          <p:nvPr>
+            <p:ph type="title"/>
+          </p:nvPr>
+        </p:nvSpPr>
+        <p:spPr>
+          <a:xfrm>
+            <a:off x="152400" y="149225"/>
+            <a:ext cx="10515600" cy="752475"/>
+          </a:xfrm>
+        </p:spPr>
+        <p:txBody>
+          <a:bodyPr/>
+          <a:lstStyle/>
+          <a:p>
+            <a:r>
+              <a:rPr lang="pt-BR" dirty="0" err="1"/>
+              <a:t>IoV</a:t>
+            </a:r>
+            <a:r>
+              <a:rPr lang="pt-BR" dirty="0"/>
+              <a:t> (Internet </a:t>
+            </a:r>
+            <a:r>
+              <a:rPr lang="pt-BR" dirty="0" err="1"/>
+              <a:t>of</a:t>
+            </a:r>
+            <a:r>
+              <a:rPr lang="pt-BR" dirty="0"/>
+              <a:t> </a:t>
+            </a:r>
+            <a:r>
+              <a:rPr lang="pt-BR" dirty="0" err="1"/>
+              <a:t>Vehicles</a:t>
+            </a:r>
+            <a:r>
+              <a:rPr lang="pt-BR" dirty="0"/>
+              <a:t>)</a:t>
+            </a:r>
+          </a:p>
+        </p:txBody>
+      </p:sp>
+      <p:sp>
+        <p:nvSpPr>
+          <p:cNvPr id="3" name="Espaço Reservado para Conteúdo 2">
+            <a:extLst>
+              <a:ext uri="{FF2B5EF4-FFF2-40B4-BE49-F238E27FC236}">
+                <a16:creationId xmlns:a16="http://schemas.microsoft.com/office/drawing/2014/main" id="{F0CCC276-58C3-47C2-B98A-220879AADC00}"/>
+              </a:ext>
+            </a:extLst>
+          </p:cNvPr>
+          <p:cNvSpPr>
+            <a:spLocks noGrp="1"/>
+          </p:cNvSpPr>
+          <p:nvPr>
+            <p:ph idx="1"/>
+          </p:nvPr>
+        </p:nvSpPr>
+        <p:spPr>
+          <a:xfrm>
+            <a:off x="152400" y="1143000"/>
+            <a:ext cx="11861800" cy="5565775"/>
+          </a:xfrm>
+        </p:spPr>
+        <p:txBody>
+          <a:bodyPr/>
+          <a:lstStyle/>
+          <a:p>
+            <a:pPr>
+              <a:buFontTx/>
+              <a:buChar char="-"/>
+            </a:pPr>
+            <a:r>
+              <a:rPr lang="en-US" dirty="0"/>
+              <a:t>O IOV é um </a:t>
+            </a:r>
+            <a:r>
+              <a:rPr lang="en-US" dirty="0" err="1"/>
+              <a:t>componeNte</a:t>
+            </a:r>
+            <a:r>
+              <a:rPr lang="en-US" dirty="0"/>
+              <a:t> </a:t>
+            </a:r>
+            <a:r>
+              <a:rPr lang="en-US" dirty="0" err="1"/>
+              <a:t>importante</a:t>
+            </a:r>
+            <a:r>
+              <a:rPr lang="en-US" dirty="0"/>
+              <a:t> para o </a:t>
+            </a:r>
+            <a:r>
+              <a:rPr lang="en-US" dirty="0" err="1"/>
+              <a:t>bom</a:t>
+            </a:r>
+            <a:r>
+              <a:rPr lang="en-US" dirty="0"/>
+              <a:t> </a:t>
+            </a:r>
+            <a:r>
+              <a:rPr lang="en-US" dirty="0" err="1"/>
+              <a:t>funcionamento</a:t>
+            </a:r>
+            <a:r>
+              <a:rPr lang="en-US" dirty="0"/>
+              <a:t> de um Sistema de </a:t>
+            </a:r>
+            <a:r>
+              <a:rPr lang="en-US" dirty="0" err="1"/>
+              <a:t>transporte</a:t>
+            </a:r>
+            <a:r>
+              <a:rPr lang="en-US" dirty="0"/>
+              <a:t> </a:t>
+            </a:r>
+            <a:r>
+              <a:rPr lang="en-US" dirty="0" err="1"/>
+              <a:t>inteligente</a:t>
+            </a:r>
+            <a:r>
+              <a:rPr lang="en-US" dirty="0"/>
+              <a:t>.</a:t>
+            </a:r>
+          </a:p>
+          <a:p>
+            <a:pPr marL="0" indent="0">
+              <a:buNone/>
+            </a:pPr>
+            <a:r>
+              <a:rPr lang="pt-BR" dirty="0"/>
+              <a:t>- rede ativas de comunicação que permite a comunicação móvel entre veículos e outras redes.</a:t>
+            </a:r>
+            <a:endParaRPr lang="en-US" dirty="0"/>
+          </a:p>
+          <a:p>
+            <a:pPr>
+              <a:buFontTx/>
+              <a:buChar char="-"/>
+            </a:pPr>
+            <a:endParaRPr lang="en-US" dirty="0"/>
+          </a:p>
+          <a:p>
+            <a:endParaRPr lang="pt-BR" dirty="0"/>
+          </a:p>
+        </p:txBody>
+      </p:sp>
+      <p:pic>
+        <p:nvPicPr>
+          <p:cNvPr id="7" name="Imagem 6">
+            <a:extLst>
+              <a:ext uri="{FF2B5EF4-FFF2-40B4-BE49-F238E27FC236}">
+                <a16:creationId xmlns:a16="http://schemas.microsoft.com/office/drawing/2014/main" id="{E31BCFA8-6641-4AF5-BC5E-0293AE2FAFBF}"/>
+              </a:ext>
+            </a:extLst>
+          </p:cNvPr>
+          <p:cNvPicPr>
+            <a:picLocks noChangeAspect="1"/>
+          </p:cNvPicPr>
+          <p:nvPr/>
+        </p:nvPicPr>
+        <p:blipFill>
+          <a:blip r:embed="rId2">
+            <a:extLst>
+              <a:ext uri="{28A0092B-C50C-407E-A947-70E740481C1C}">
+                <a14:useLocalDpi xmlns:a14="http://schemas.microsoft.com/office/drawing/2010/main" val="0"/>
+              </a:ext>
+            </a:extLst>
+          </a:blip>
+          <a:stretch>
+            <a:fillRect/>
+          </a:stretch>
+        </p:blipFill>
+        <p:spPr>
+          <a:xfrm>
+            <a:off x="9242425" y="149225"/>
+            <a:ext cx="2771775" cy="1000125"/>
+          </a:xfrm>
+          <a:prstGeom prst="rect">
+            <a:avLst/>
+          </a:prstGeom>
+        </p:spPr>
+      </p:pic>
+      <p:sp>
+        <p:nvSpPr>
+          <p:cNvPr id="8" name="CaixaDeTexto 7">
+            <a:extLst>
+              <a:ext uri="{FF2B5EF4-FFF2-40B4-BE49-F238E27FC236}">
+                <a16:creationId xmlns:a16="http://schemas.microsoft.com/office/drawing/2014/main" id="{096A67F7-0414-4281-A519-A5459EFE7DD8}"/>
+              </a:ext>
+            </a:extLst>
+          </p:cNvPr>
+          <p:cNvSpPr txBox="1"/>
+          <p:nvPr/>
+        </p:nvSpPr>
+        <p:spPr>
+          <a:xfrm>
+            <a:off x="3140927" y="6524109"/>
+            <a:ext cx="4538546" cy="369332"/>
+          </a:xfrm>
+          <a:prstGeom prst="rect">
+            <a:avLst/>
+          </a:prstGeom>
+          <a:noFill/>
+        </p:spPr>
+        <p:txBody>
+          <a:bodyPr wrap="square" rtlCol="0">
+            <a:spAutoFit/>
+          </a:bodyPr>
+          <a:lstStyle/>
+          <a:p>
+            <a:pPr algn="ctr"/>
+            <a:r>
+              <a:rPr lang="pt-BR" dirty="0"/>
+              <a:t>SCCS – Professor Weslley Torres</a:t>
+            </a:r>
+          </a:p>
+        </p:txBody>
+      </p:sp>
+    </p:spTree>
+    <p:extLst>
+      <p:ext uri="{BB962C8B-B14F-4D97-AF65-F5344CB8AC3E}">
+        <p14:creationId xmlns:p14="http://schemas.microsoft.com/office/powerpoint/2010/main" val="3588019063"/>
+      </p:ext>
+    </p:extLst>
+  </p:cSld>
+  <p:clrMapOvr>
+    <a:masterClrMapping/>
+  </p:clrMapOvr>
+</p:sld>
+</file>
+
+<file path=ppt/slides/slide3.xml><?xml version="1.0" encoding="utf-8"?>
+<p:sld xmlns:a="http://schemas.openxmlformats.org/drawingml/2006/main" xmlns:r="http://schemas.openxmlformats.org/officeDocument/2006/relationships" xmlns:p="http://schemas.openxmlformats.org/presentationml/2006/main">
+  <p:cSld>
+    <p:spTree>
+      <p:nvGrpSpPr>
+        <p:cNvPr id="1" name=""/>
+        <p:cNvGrpSpPr/>
+        <p:nvPr/>
+      </p:nvGrpSpPr>
+      <p:grpSpPr>
+        <a:xfrm>
+          <a:off x="0" y="0"/>
+          <a:ext cx="0" cy="0"/>
+          <a:chOff x="0" y="0"/>
+          <a:chExt cx="0" cy="0"/>
+        </a:xfrm>
+      </p:grpSpPr>
+      <p:sp>
+        <p:nvSpPr>
+          <p:cNvPr id="2" name="Título 1">
+            <a:extLst>
+              <a:ext uri="{FF2B5EF4-FFF2-40B4-BE49-F238E27FC236}">
+                <a16:creationId xmlns:a16="http://schemas.microsoft.com/office/drawing/2014/main" id="{5A26C166-0D36-40BA-83E5-D7B77FC480CD}"/>
+              </a:ext>
+            </a:extLst>
+          </p:cNvPr>
+          <p:cNvSpPr>
+            <a:spLocks noGrp="1"/>
+          </p:cNvSpPr>
+          <p:nvPr>
+            <p:ph type="title"/>
+          </p:nvPr>
+        </p:nvSpPr>
+        <p:spPr>
+          <a:xfrm>
+            <a:off x="152400" y="149225"/>
+            <a:ext cx="10515600" cy="752475"/>
+          </a:xfrm>
+        </p:spPr>
+        <p:txBody>
+          <a:bodyPr/>
+          <a:lstStyle/>
+          <a:p>
+            <a:r>
+              <a:rPr lang="pt-BR" dirty="0" err="1"/>
+              <a:t>IoV</a:t>
+            </a:r>
+            <a:r>
+              <a:rPr lang="pt-BR" dirty="0"/>
+              <a:t> (Internet </a:t>
+            </a:r>
+            <a:r>
+              <a:rPr lang="pt-BR" dirty="0" err="1"/>
+              <a:t>of</a:t>
+            </a:r>
+            <a:r>
+              <a:rPr lang="pt-BR" dirty="0"/>
+              <a:t> </a:t>
+            </a:r>
+            <a:r>
+              <a:rPr lang="pt-BR" dirty="0" err="1"/>
+              <a:t>Vehicles</a:t>
+            </a:r>
+            <a:r>
+              <a:rPr lang="pt-BR" dirty="0"/>
+              <a:t>)</a:t>
+            </a:r>
+          </a:p>
+        </p:txBody>
+      </p:sp>
+      <p:sp>
+        <p:nvSpPr>
+          <p:cNvPr id="3" name="Espaço Reservado para Conteúdo 2">
+            <a:extLst>
+              <a:ext uri="{FF2B5EF4-FFF2-40B4-BE49-F238E27FC236}">
+                <a16:creationId xmlns:a16="http://schemas.microsoft.com/office/drawing/2014/main" id="{F0CCC276-58C3-47C2-B98A-220879AADC00}"/>
+              </a:ext>
+            </a:extLst>
+          </p:cNvPr>
+          <p:cNvSpPr>
+            <a:spLocks noGrp="1"/>
+          </p:cNvSpPr>
+          <p:nvPr>
+            <p:ph idx="1"/>
+          </p:nvPr>
+        </p:nvSpPr>
+        <p:spPr>
+          <a:xfrm>
+            <a:off x="152400" y="1143000"/>
+            <a:ext cx="11861800" cy="5565775"/>
+          </a:xfrm>
+        </p:spPr>
+        <p:txBody>
+          <a:bodyPr>
+            <a:normAutofit fontScale="92500" lnSpcReduction="20000"/>
+          </a:bodyPr>
+          <a:lstStyle/>
+          <a:p>
+            <a:r>
+              <a:rPr lang="pt-BR" sz="3000" dirty="0" err="1"/>
+              <a:t>Applications</a:t>
+            </a:r>
+            <a:r>
+              <a:rPr lang="pt-BR" sz="3000" dirty="0"/>
+              <a:t>:</a:t>
+            </a:r>
+          </a:p>
+          <a:p>
+            <a:pPr marL="0" indent="0">
+              <a:buNone/>
+            </a:pPr>
+            <a:r>
+              <a:rPr lang="pt-BR" dirty="0"/>
+              <a:t>- S</a:t>
+            </a:r>
+            <a:r>
+              <a:rPr lang="en-US" dirty="0"/>
+              <a:t>mart traffic management – </a:t>
+            </a:r>
+            <a:r>
+              <a:rPr lang="en-US" dirty="0" err="1"/>
+              <a:t>Gestão</a:t>
+            </a:r>
+            <a:r>
+              <a:rPr lang="en-US" dirty="0"/>
+              <a:t> do </a:t>
+            </a:r>
+            <a:r>
+              <a:rPr lang="en-US" dirty="0" err="1"/>
+              <a:t>tráfego</a:t>
+            </a:r>
+            <a:r>
+              <a:rPr lang="en-US" dirty="0"/>
+              <a:t> </a:t>
+            </a:r>
+            <a:r>
+              <a:rPr lang="en-US" dirty="0" err="1"/>
+              <a:t>atarvés</a:t>
+            </a:r>
+            <a:r>
+              <a:rPr lang="en-US" dirty="0"/>
+              <a:t> de dados </a:t>
+            </a:r>
+            <a:r>
+              <a:rPr lang="en-US" dirty="0" err="1"/>
+              <a:t>obtidos</a:t>
+            </a:r>
+            <a:endParaRPr lang="en-US" dirty="0"/>
+          </a:p>
+          <a:p>
+            <a:pPr marL="0" indent="0">
+              <a:buNone/>
+            </a:pPr>
+            <a:r>
+              <a:rPr lang="en-US" dirty="0"/>
+              <a:t>- Mobile crowd sensing – </a:t>
+            </a:r>
+            <a:r>
+              <a:rPr lang="en-US" dirty="0" err="1"/>
+              <a:t>Deteção</a:t>
+            </a:r>
+            <a:r>
+              <a:rPr lang="en-US" dirty="0"/>
+              <a:t> de </a:t>
+            </a:r>
+            <a:r>
+              <a:rPr lang="en-US" dirty="0" err="1"/>
+              <a:t>multidão</a:t>
+            </a:r>
+            <a:r>
+              <a:rPr lang="en-US" dirty="0"/>
+              <a:t> – </a:t>
+            </a:r>
+            <a:r>
+              <a:rPr lang="en-US" dirty="0" err="1"/>
+              <a:t>Evitar</a:t>
+            </a:r>
+            <a:r>
+              <a:rPr lang="en-US" dirty="0"/>
+              <a:t> </a:t>
+            </a:r>
+            <a:r>
+              <a:rPr lang="en-US" dirty="0" err="1"/>
+              <a:t>Trânsito</a:t>
+            </a:r>
+            <a:r>
+              <a:rPr lang="en-US" dirty="0"/>
+              <a:t> </a:t>
+            </a:r>
+            <a:r>
+              <a:rPr lang="en-US" dirty="0" err="1"/>
+              <a:t>indicando</a:t>
+            </a:r>
+            <a:r>
+              <a:rPr lang="en-US" dirty="0"/>
+              <a:t> </a:t>
+            </a:r>
+            <a:r>
+              <a:rPr lang="en-US" dirty="0" err="1"/>
+              <a:t>caminhos</a:t>
+            </a:r>
+            <a:r>
+              <a:rPr lang="en-US" dirty="0"/>
+              <a:t> </a:t>
+            </a:r>
+            <a:r>
+              <a:rPr lang="en-US" dirty="0" err="1"/>
+              <a:t>melhores</a:t>
+            </a:r>
+            <a:endParaRPr lang="en-US" dirty="0"/>
+          </a:p>
+          <a:p>
+            <a:pPr marL="0" indent="0">
+              <a:buNone/>
+            </a:pPr>
+            <a:r>
+              <a:rPr lang="en-US" dirty="0"/>
+              <a:t>- Accident reporting – REPORTAR ACIDENTES – DESPERTA MAIS ATENÇÃO NO MOTORISTA</a:t>
+            </a:r>
+          </a:p>
+          <a:p>
+            <a:pPr marL="0" indent="0">
+              <a:buNone/>
+            </a:pPr>
+            <a:r>
+              <a:rPr lang="en-US" dirty="0"/>
+              <a:t>- Weather alerts – </a:t>
+            </a:r>
+            <a:r>
+              <a:rPr lang="en-US" dirty="0" err="1"/>
+              <a:t>prevenção</a:t>
+            </a:r>
+            <a:r>
+              <a:rPr lang="en-US" dirty="0"/>
+              <a:t> de </a:t>
+            </a:r>
+            <a:r>
+              <a:rPr lang="en-US" dirty="0" err="1"/>
+              <a:t>condições</a:t>
+            </a:r>
+            <a:r>
+              <a:rPr lang="en-US" dirty="0"/>
+              <a:t> </a:t>
+            </a:r>
+            <a:r>
+              <a:rPr lang="en-US" dirty="0" err="1"/>
+              <a:t>advesas</a:t>
+            </a:r>
+            <a:r>
+              <a:rPr lang="en-US" dirty="0"/>
+              <a:t> do </a:t>
+            </a:r>
+            <a:r>
+              <a:rPr lang="en-US" dirty="0" err="1"/>
+              <a:t>clima</a:t>
+            </a:r>
+            <a:endParaRPr lang="en-US" dirty="0"/>
+          </a:p>
+          <a:p>
+            <a:pPr marL="0" indent="0">
+              <a:buNone/>
+            </a:pPr>
+            <a:r>
+              <a:rPr lang="en-US" dirty="0"/>
+              <a:t>- Monitoring – MONITORAMENTO DO AMBIENTE </a:t>
+            </a:r>
+            <a:r>
+              <a:rPr lang="en-US" dirty="0" err="1"/>
+              <a:t>ao</a:t>
+            </a:r>
+            <a:r>
+              <a:rPr lang="en-US" dirty="0"/>
+              <a:t> </a:t>
+            </a:r>
+            <a:r>
+              <a:rPr lang="en-US" dirty="0" err="1"/>
+              <a:t>redor</a:t>
+            </a:r>
+            <a:endParaRPr lang="en-US" dirty="0"/>
+          </a:p>
+          <a:p>
+            <a:pPr marL="0" indent="0">
+              <a:buNone/>
+            </a:pPr>
+            <a:r>
+              <a:rPr lang="en-US" dirty="0"/>
+              <a:t>- Parking alerts – AVISA </a:t>
+            </a:r>
+            <a:r>
+              <a:rPr lang="en-US" dirty="0" err="1"/>
+              <a:t>locais</a:t>
+            </a:r>
+            <a:r>
+              <a:rPr lang="en-US" dirty="0"/>
+              <a:t> </a:t>
+            </a:r>
+            <a:r>
+              <a:rPr lang="en-US" dirty="0" err="1"/>
+              <a:t>permitidos</a:t>
+            </a:r>
+            <a:r>
+              <a:rPr lang="en-US" dirty="0"/>
+              <a:t>  e </a:t>
+            </a:r>
+            <a:r>
+              <a:rPr lang="en-US" dirty="0" err="1"/>
+              <a:t>não</a:t>
+            </a:r>
+            <a:r>
+              <a:rPr lang="en-US" dirty="0"/>
+              <a:t> </a:t>
+            </a:r>
+            <a:r>
+              <a:rPr lang="en-US" dirty="0" err="1"/>
+              <a:t>permitidos</a:t>
+            </a:r>
+            <a:r>
+              <a:rPr lang="en-US" dirty="0"/>
+              <a:t> para </a:t>
+            </a:r>
+            <a:r>
+              <a:rPr lang="en-US" dirty="0" err="1"/>
+              <a:t>estacionar</a:t>
+            </a:r>
+            <a:endParaRPr lang="en-US" dirty="0"/>
+          </a:p>
+          <a:p>
+            <a:pPr marL="0" indent="0">
+              <a:buNone/>
+            </a:pPr>
+            <a:r>
+              <a:rPr lang="en-US" dirty="0"/>
+              <a:t>- Audio/video streaming in vehicles - </a:t>
+            </a:r>
+          </a:p>
+          <a:p>
+            <a:pPr>
+              <a:buFontTx/>
+              <a:buChar char="-"/>
+            </a:pPr>
+            <a:r>
+              <a:rPr lang="en-US" dirty="0"/>
+              <a:t>Points of interest (Marts, Fuel Station, Restaurants) -  marketing</a:t>
+            </a:r>
+          </a:p>
+          <a:p>
+            <a:pPr>
+              <a:buFontTx/>
+              <a:buChar char="-"/>
+            </a:pPr>
+            <a:r>
+              <a:rPr lang="en-US" dirty="0"/>
+              <a:t>E-Health – </a:t>
+            </a:r>
+            <a:r>
+              <a:rPr lang="en-US" dirty="0" err="1"/>
+              <a:t>caso</a:t>
+            </a:r>
+            <a:r>
+              <a:rPr lang="en-US" dirty="0"/>
+              <a:t> o </a:t>
+            </a:r>
+            <a:r>
+              <a:rPr lang="en-US" dirty="0" err="1"/>
+              <a:t>usuário</a:t>
+            </a:r>
+            <a:r>
+              <a:rPr lang="en-US" dirty="0"/>
+              <a:t> </a:t>
+            </a:r>
+            <a:r>
+              <a:rPr lang="en-US" dirty="0" err="1"/>
+              <a:t>tenha</a:t>
+            </a:r>
+            <a:r>
+              <a:rPr lang="en-US" dirty="0"/>
+              <a:t> </a:t>
+            </a:r>
+            <a:r>
+              <a:rPr lang="en-US" dirty="0" err="1"/>
+              <a:t>algum</a:t>
+            </a:r>
+            <a:r>
+              <a:rPr lang="en-US" dirty="0"/>
+              <a:t> </a:t>
+            </a:r>
+            <a:r>
+              <a:rPr lang="en-US" dirty="0" err="1"/>
+              <a:t>problema</a:t>
+            </a:r>
+            <a:r>
+              <a:rPr lang="en-US" dirty="0"/>
+              <a:t> </a:t>
+            </a:r>
+            <a:r>
+              <a:rPr lang="en-US" dirty="0" err="1"/>
+              <a:t>enquanto</a:t>
+            </a:r>
+            <a:r>
+              <a:rPr lang="en-US" dirty="0"/>
+              <a:t> </a:t>
+            </a:r>
+            <a:r>
+              <a:rPr lang="en-US" dirty="0" err="1"/>
+              <a:t>esteja</a:t>
+            </a:r>
+            <a:r>
+              <a:rPr lang="en-US" dirty="0"/>
+              <a:t> no </a:t>
+            </a:r>
+            <a:r>
+              <a:rPr lang="en-US" dirty="0" err="1"/>
+              <a:t>carro</a:t>
+            </a:r>
+            <a:r>
+              <a:rPr lang="en-US" dirty="0"/>
+              <a:t> / Auxilia </a:t>
+            </a:r>
+            <a:r>
+              <a:rPr lang="en-US" dirty="0" err="1"/>
+              <a:t>ambulâncias</a:t>
+            </a:r>
+            <a:r>
+              <a:rPr lang="en-US" dirty="0"/>
+              <a:t> a </a:t>
+            </a:r>
+            <a:r>
+              <a:rPr lang="en-US" dirty="0" err="1"/>
+              <a:t>encontrar</a:t>
+            </a:r>
+            <a:r>
+              <a:rPr lang="en-US" dirty="0"/>
+              <a:t> </a:t>
+            </a:r>
+            <a:r>
+              <a:rPr lang="en-US" dirty="0" err="1"/>
+              <a:t>hospitais</a:t>
+            </a:r>
+            <a:r>
+              <a:rPr lang="en-US" dirty="0"/>
+              <a:t> </a:t>
+            </a:r>
+            <a:r>
+              <a:rPr lang="en-US" dirty="0" err="1"/>
+              <a:t>mais</a:t>
+            </a:r>
+            <a:r>
+              <a:rPr lang="en-US" dirty="0"/>
+              <a:t> </a:t>
+            </a:r>
+            <a:r>
+              <a:rPr lang="en-US" dirty="0" err="1"/>
+              <a:t>próximos</a:t>
+            </a:r>
+            <a:endParaRPr lang="en-US" dirty="0"/>
+          </a:p>
+          <a:p>
+            <a:pPr>
+              <a:buFontTx/>
+              <a:buChar char="-"/>
+            </a:pPr>
+            <a:r>
+              <a:rPr lang="en-US" dirty="0"/>
+              <a:t>emergency messages (EMs) – o </a:t>
+            </a:r>
+            <a:r>
+              <a:rPr lang="en-US" dirty="0" err="1"/>
+              <a:t>carro</a:t>
+            </a:r>
+            <a:r>
+              <a:rPr lang="en-US" dirty="0"/>
+              <a:t> </a:t>
+            </a:r>
+            <a:r>
+              <a:rPr lang="en-US" dirty="0" err="1"/>
+              <a:t>acindentado</a:t>
+            </a:r>
+            <a:r>
+              <a:rPr lang="en-US" dirty="0"/>
+              <a:t> </a:t>
+            </a:r>
+            <a:r>
+              <a:rPr lang="en-US" dirty="0" err="1"/>
+              <a:t>não</a:t>
+            </a:r>
+            <a:r>
+              <a:rPr lang="en-US" dirty="0"/>
+              <a:t> para de </a:t>
+            </a:r>
+            <a:r>
+              <a:rPr lang="en-US" dirty="0" err="1"/>
+              <a:t>enviar</a:t>
+            </a:r>
+            <a:r>
+              <a:rPr lang="en-US" dirty="0"/>
+              <a:t> </a:t>
+            </a:r>
+            <a:r>
+              <a:rPr lang="en-US" dirty="0" err="1"/>
+              <a:t>mensagens</a:t>
+            </a:r>
+            <a:r>
+              <a:rPr lang="en-US" dirty="0"/>
+              <a:t> de </a:t>
+            </a:r>
+            <a:r>
+              <a:rPr lang="en-US" dirty="0" err="1"/>
+              <a:t>emergência</a:t>
+            </a:r>
+            <a:r>
+              <a:rPr lang="en-US" dirty="0"/>
+              <a:t> </a:t>
+            </a:r>
+            <a:r>
+              <a:rPr lang="en-US" dirty="0" err="1"/>
+              <a:t>até</a:t>
+            </a:r>
+            <a:r>
+              <a:rPr lang="en-US" dirty="0"/>
+              <a:t> o </a:t>
+            </a:r>
+            <a:r>
+              <a:rPr lang="en-US" dirty="0" err="1"/>
+              <a:t>carro</a:t>
+            </a:r>
+            <a:r>
+              <a:rPr lang="en-US" dirty="0"/>
+              <a:t> de </a:t>
+            </a:r>
+            <a:r>
+              <a:rPr lang="en-US" dirty="0" err="1"/>
+              <a:t>regate</a:t>
+            </a:r>
+            <a:r>
+              <a:rPr lang="en-US" dirty="0"/>
+              <a:t> </a:t>
+            </a:r>
+            <a:r>
+              <a:rPr lang="en-US" dirty="0" err="1"/>
+              <a:t>chegar</a:t>
+            </a:r>
+            <a:endParaRPr lang="en-US" dirty="0"/>
+          </a:p>
+          <a:p>
+            <a:pPr marL="1371600" lvl="3" indent="0">
+              <a:buNone/>
+            </a:pPr>
+            <a:r>
+              <a:rPr lang="en-US" dirty="0"/>
+              <a:t> </a:t>
+            </a:r>
+          </a:p>
+          <a:p>
+            <a:endParaRPr lang="pt-BR" dirty="0"/>
+          </a:p>
+        </p:txBody>
+      </p:sp>
+      <p:pic>
+        <p:nvPicPr>
+          <p:cNvPr id="7" name="Imagem 6">
+            <a:extLst>
+              <a:ext uri="{FF2B5EF4-FFF2-40B4-BE49-F238E27FC236}">
+                <a16:creationId xmlns:a16="http://schemas.microsoft.com/office/drawing/2014/main" id="{E31BCFA8-6641-4AF5-BC5E-0293AE2FAFBF}"/>
+              </a:ext>
+            </a:extLst>
+          </p:cNvPr>
+          <p:cNvPicPr>
+            <a:picLocks noChangeAspect="1"/>
+          </p:cNvPicPr>
+          <p:nvPr/>
+        </p:nvPicPr>
+        <p:blipFill>
+          <a:blip r:embed="rId2">
+            <a:extLst>
+              <a:ext uri="{28A0092B-C50C-407E-A947-70E740481C1C}">
+                <a14:useLocalDpi xmlns:a14="http://schemas.microsoft.com/office/drawing/2010/main" val="0"/>
+              </a:ext>
+            </a:extLst>
+          </a:blip>
+          <a:stretch>
+            <a:fillRect/>
+          </a:stretch>
+        </p:blipFill>
+        <p:spPr>
+          <a:xfrm>
+            <a:off x="9242425" y="149225"/>
+            <a:ext cx="2771775" cy="1000125"/>
+          </a:xfrm>
+          <a:prstGeom prst="rect">
+            <a:avLst/>
+          </a:prstGeom>
+        </p:spPr>
+      </p:pic>
+      <p:sp>
+        <p:nvSpPr>
+          <p:cNvPr id="8" name="CaixaDeTexto 7">
+            <a:extLst>
+              <a:ext uri="{FF2B5EF4-FFF2-40B4-BE49-F238E27FC236}">
+                <a16:creationId xmlns:a16="http://schemas.microsoft.com/office/drawing/2014/main" id="{096A67F7-0414-4281-A519-A5459EFE7DD8}"/>
+              </a:ext>
+            </a:extLst>
+          </p:cNvPr>
+          <p:cNvSpPr txBox="1"/>
+          <p:nvPr/>
+        </p:nvSpPr>
+        <p:spPr>
+          <a:xfrm>
+            <a:off x="3140927" y="6524109"/>
+            <a:ext cx="4538546" cy="369332"/>
+          </a:xfrm>
+          <a:prstGeom prst="rect">
+            <a:avLst/>
+          </a:prstGeom>
+          <a:noFill/>
+        </p:spPr>
+        <p:txBody>
+          <a:bodyPr wrap="square" rtlCol="0">
+            <a:spAutoFit/>
+          </a:bodyPr>
+          <a:lstStyle/>
+          <a:p>
+            <a:pPr algn="ctr"/>
+            <a:r>
+              <a:rPr lang="pt-BR" dirty="0"/>
+              <a:t>SCCS – Professor Weslley Torres</a:t>
+            </a:r>
+          </a:p>
+        </p:txBody>
+      </p:sp>
+    </p:spTree>
+    <p:extLst>
+      <p:ext uri="{BB962C8B-B14F-4D97-AF65-F5344CB8AC3E}">
+        <p14:creationId xmlns:p14="http://schemas.microsoft.com/office/powerpoint/2010/main" val="2675619478"/>
+      </p:ext>
+    </p:extLst>
+  </p:cSld>
+  <p:clrMapOvr>
+    <a:masterClrMapping/>
+  </p:clrMapOvr>
+</p:sld>
+</file>
+
+<file path=ppt/slides/slide4.xml><?xml version="1.0" encoding="utf-8"?>
 <p:sld xmlns:a="http://schemas.openxmlformats.org/drawingml/2006/main" xmlns:r="http://schemas.openxmlformats.org/officeDocument/2006/relationships" xmlns:p="http://schemas.openxmlformats.org/presentationml/2006/main">
   <p:cSld>
     <p:spTree>
@@ -6649,7 +8352,7 @@
 </p:sld>
 </file>
 
-<file path=ppt/slides/slide3.xml><?xml version="1.0" encoding="utf-8"?>
+<file path=ppt/slides/slide5.xml><?xml version="1.0" encoding="utf-8"?>
 <p:sld xmlns:a="http://schemas.openxmlformats.org/drawingml/2006/main" xmlns:r="http://schemas.openxmlformats.org/officeDocument/2006/relationships" xmlns:p="http://schemas.openxmlformats.org/presentationml/2006/main">
   <p:cSld>
     <p:spTree>
@@ -6793,16 +8496,6 @@
             <a:r>
               <a:rPr lang="pt-BR" dirty="0"/>
               <a:t>- entretenimento e conveniência - possibilidade de comunicação veículo-a-veículo e entre veículos e pontos de acesso nas vias traz a oportunidade de exploração comercial.</a:t>
-            </a:r>
-          </a:p>
-          <a:p>
-            <a:r>
-              <a:rPr lang="pt-BR" sz="3200" dirty="0" err="1"/>
-              <a:t>Disadvantages</a:t>
-            </a:r>
-            <a:r>
-              <a:rPr lang="pt-BR" sz="3200" dirty="0"/>
-              <a:t>:</a:t>
             </a:r>
           </a:p>
           <a:p>
@@ -6907,7 +8600,7 @@
 </p:sld>
 </file>
 
-<file path=ppt/slides/slide4.xml><?xml version="1.0" encoding="utf-8"?>
+<file path=ppt/slides/slide6.xml><?xml version="1.0" encoding="utf-8"?>
 <p:sld xmlns:a="http://schemas.openxmlformats.org/drawingml/2006/main" xmlns:r="http://schemas.openxmlformats.org/officeDocument/2006/relationships" xmlns:p="http://schemas.openxmlformats.org/presentationml/2006/main">
   <p:cSld>
     <p:spTree>
@@ -7032,7 +8725,10 @@
             <a:pPr marL="0" indent="0">
               <a:buNone/>
             </a:pPr>
-            <a:endParaRPr lang="pt-BR" dirty="0"/>
+            <a:r>
+              <a:rPr lang="pt-BR" dirty="0"/>
+              <a:t>- Servidores remotos – acabam gerando um atraso muito grande</a:t>
+            </a:r>
           </a:p>
           <a:p>
             <a:endParaRPr lang="pt-BR" dirty="0"/>
@@ -7124,7 +8820,7 @@
 </p:sld>
 </file>
 
-<file path=ppt/slides/slide5.xml><?xml version="1.0" encoding="utf-8"?>
+<file path=ppt/slides/slide7.xml><?xml version="1.0" encoding="utf-8"?>
 <p:sld xmlns:a="http://schemas.openxmlformats.org/drawingml/2006/main" xmlns:r="http://schemas.openxmlformats.org/officeDocument/2006/relationships" xmlns:p="http://schemas.openxmlformats.org/presentationml/2006/main">
   <p:cSld>
     <p:spTree>
@@ -7169,28 +8865,9 @@
           <a:p>
             <a:r>
               <a:rPr lang="pt-BR" dirty="0" err="1"/>
-              <a:t>IoV</a:t>
-            </a:r>
-            <a:r>
-              <a:rPr lang="pt-BR" dirty="0"/>
-              <a:t> (Internet </a:t>
-            </a:r>
-            <a:r>
-              <a:rPr lang="pt-BR" dirty="0" err="1"/>
-              <a:t>of</a:t>
-            </a:r>
-            <a:r>
-              <a:rPr lang="pt-BR" dirty="0"/>
-              <a:t> </a:t>
-            </a:r>
-            <a:r>
-              <a:rPr lang="pt-BR" dirty="0" err="1"/>
-              <a:t>Vehicles</a:t>
-            </a:r>
-            <a:r>
-              <a:rPr lang="pt-BR" dirty="0"/>
-              <a:t>)</a:t>
-            </a:r>
+              <a:t>Explanation</a:t>
+            </a:r>
+            <a:endParaRPr lang="pt-BR" dirty="0"/>
           </a:p>
         </p:txBody>
       </p:sp>
@@ -7220,17 +8897,13 @@
           <a:bodyPr/>
           <a:lstStyle/>
           <a:p>
-            <a:pPr>
-              <a:buFontTx/>
-              <a:buChar char="-"/>
-            </a:pPr>
-            <a:r>
-              <a:rPr lang="en-US" dirty="0"/>
-              <a:t>O IOV é um </a:t>
+            <a:r>
+              <a:rPr lang="en-US" dirty="0"/>
+              <a:t>beaconing messages – </a:t>
             </a:r>
             <a:r>
               <a:rPr lang="en-US" dirty="0" err="1"/>
-              <a:t>componnete</a:t>
+              <a:t>são</a:t>
             </a:r>
             <a:r>
               <a:rPr lang="en-US" dirty="0"/>
@@ -7238,47 +8911,110 @@
             </a:r>
             <a:r>
               <a:rPr lang="en-US" dirty="0" err="1"/>
-              <a:t>importante</a:t>
-            </a:r>
-            <a:r>
-              <a:rPr lang="en-US" dirty="0"/>
-              <a:t> para o </a:t>
+              <a:t>mensagens</a:t>
+            </a:r>
+            <a:r>
+              <a:rPr lang="en-US" dirty="0"/>
+              <a:t> </a:t>
             </a:r>
             <a:r>
               <a:rPr lang="en-US" dirty="0" err="1"/>
-              <a:t>bom</a:t>
-            </a:r>
-            <a:r>
-              <a:rPr lang="en-US" dirty="0"/>
+              <a:t>enviadias</a:t>
+            </a:r>
+            <a:r>
+              <a:rPr lang="en-US" dirty="0"/>
+              <a:t> por um </a:t>
+            </a:r>
+            <a:r>
+              <a:rPr lang="pt-BR" dirty="0"/>
+              <a:t>pequeno transmissor de rádio Bluetooth.</a:t>
+            </a:r>
+          </a:p>
+          <a:p>
+            <a:r>
+              <a:rPr lang="en-US" b="0" i="0" u="none" strike="noStrike" dirty="0">
+                <a:effectLst/>
+                <a:latin typeface="+mj-lt"/>
+              </a:rPr>
+              <a:t>Multi-hop Wireless Ad Hoc Networking – É um Sistema que </a:t>
+            </a:r>
+            <a:r>
+              <a:rPr lang="en-US" b="0" i="0" u="none" strike="noStrike" dirty="0" err="1">
+                <a:effectLst/>
+                <a:latin typeface="+mj-lt"/>
+              </a:rPr>
+              <a:t>utiliza</a:t>
+            </a:r>
+            <a:r>
+              <a:rPr lang="en-US" b="0" i="0" u="none" strike="noStrike" dirty="0">
+                <a:effectLst/>
+                <a:latin typeface="+mj-lt"/>
+              </a:rPr>
+              <a:t> outros </a:t>
+            </a:r>
+            <a:r>
+              <a:rPr lang="en-US" b="0" i="0" u="none" strike="noStrike" dirty="0" err="1">
+                <a:effectLst/>
+                <a:latin typeface="+mj-lt"/>
+              </a:rPr>
+              <a:t>pontos</a:t>
+            </a:r>
+            <a:r>
+              <a:rPr lang="en-US" b="0" i="0" u="none" strike="noStrike" dirty="0">
+                <a:effectLst/>
+                <a:latin typeface="+mj-lt"/>
+              </a:rPr>
               <a:t> </a:t>
             </a:r>
             <a:r>
-              <a:rPr lang="en-US" dirty="0" err="1"/>
-              <a:t>funcionamento</a:t>
-            </a:r>
-            <a:r>
-              <a:rPr lang="en-US" dirty="0"/>
-              <a:t> de um Sistema de </a:t>
-            </a:r>
-            <a:r>
-              <a:rPr lang="en-US" dirty="0" err="1"/>
-              <a:t>transporte</a:t>
-            </a:r>
-            <a:r>
-              <a:rPr lang="en-US" dirty="0"/>
+              <a:rPr lang="en-US" b="0" i="0" u="none" strike="noStrike" dirty="0" err="1">
+                <a:effectLst/>
+                <a:latin typeface="+mj-lt"/>
+              </a:rPr>
+              <a:t>como</a:t>
+            </a:r>
+            <a:r>
+              <a:rPr lang="en-US" b="0" i="0" u="none" strike="noStrike" dirty="0">
+                <a:effectLst/>
+                <a:latin typeface="+mj-lt"/>
+              </a:rPr>
               <a:t> </a:t>
             </a:r>
             <a:r>
-              <a:rPr lang="en-US" dirty="0" err="1"/>
-              <a:t>inteligente</a:t>
-            </a:r>
-            <a:r>
-              <a:rPr lang="en-US" dirty="0"/>
+              <a:rPr lang="en-US" b="0" i="0" u="none" strike="noStrike" dirty="0" err="1">
+                <a:effectLst/>
+                <a:latin typeface="+mj-lt"/>
+              </a:rPr>
+              <a:t>repetidor</a:t>
+            </a:r>
+            <a:r>
+              <a:rPr lang="en-US" dirty="0" err="1">
+                <a:latin typeface="+mj-lt"/>
+              </a:rPr>
+              <a:t>es</a:t>
+            </a:r>
+            <a:r>
+              <a:rPr lang="en-US" dirty="0">
+                <a:latin typeface="+mj-lt"/>
+              </a:rPr>
+              <a:t> de </a:t>
+            </a:r>
+            <a:r>
+              <a:rPr lang="en-US" dirty="0" err="1">
+                <a:latin typeface="+mj-lt"/>
+              </a:rPr>
+              <a:t>sinal</a:t>
+            </a:r>
+            <a:r>
+              <a:rPr lang="en-US" dirty="0">
+                <a:latin typeface="+mj-lt"/>
+              </a:rPr>
               <a:t>.</a:t>
             </a:r>
-          </a:p>
-          <a:p>
-            <a:endParaRPr lang="pt-BR" dirty="0"/>
+            <a:endParaRPr lang="en-US" b="0" i="0" u="none" strike="noStrike" dirty="0">
+              <a:effectLst/>
+              <a:latin typeface="+mj-lt"/>
+            </a:endParaRPr>
           </a:p>
         </p:txBody>
       </p:sp>
@@ -7357,7 +9093,7 @@
     </p:spTree>
     <p:extLst>
       <p:ext uri="{BB962C8B-B14F-4D97-AF65-F5344CB8AC3E}">
-        <p14:creationId xmlns:p14="http://schemas.microsoft.com/office/powerpoint/2010/main" val="3588019063"/>
+        <p14:creationId xmlns:p14="http://schemas.microsoft.com/office/powerpoint/2010/main" val="180776151"/>
       </p:ext>
     </p:extLst>
   </p:cSld>
@@ -7367,7 +9103,7 @@
 </p:sld>
 </file>
 
-<file path=ppt/slides/slide6.xml><?xml version="1.0" encoding="utf-8"?>
+<file path=ppt/slides/slide8.xml><?xml version="1.0" encoding="utf-8"?>
 <p:sld xmlns:a="http://schemas.openxmlformats.org/drawingml/2006/main" xmlns:r="http://schemas.openxmlformats.org/officeDocument/2006/relationships" xmlns:p="http://schemas.openxmlformats.org/presentationml/2006/main">
   <p:cSld>
     <p:spTree>
@@ -7412,28 +9148,9 @@
           <a:p>
             <a:r>
               <a:rPr lang="pt-BR" dirty="0" err="1"/>
-              <a:t>IoV</a:t>
-            </a:r>
-            <a:r>
-              <a:rPr lang="pt-BR" dirty="0"/>
-              <a:t> (Internet </a:t>
-            </a:r>
-            <a:r>
-              <a:rPr lang="pt-BR" dirty="0" err="1"/>
-              <a:t>of</a:t>
-            </a:r>
-            <a:r>
-              <a:rPr lang="pt-BR" dirty="0"/>
-              <a:t> </a:t>
-            </a:r>
-            <a:r>
-              <a:rPr lang="pt-BR" dirty="0" err="1"/>
-              <a:t>Vehicles</a:t>
-            </a:r>
-            <a:r>
-              <a:rPr lang="pt-BR" dirty="0"/>
-              <a:t>)</a:t>
-            </a:r>
+              <a:t>Motivation</a:t>
+            </a:r>
+            <a:endParaRPr lang="pt-BR" dirty="0"/>
           </a:p>
         </p:txBody>
       </p:sp>
@@ -7464,79 +9181,8 @@
           <a:lstStyle/>
           <a:p>
             <a:r>
-              <a:rPr lang="pt-BR" sz="3000" dirty="0" err="1"/>
-              <a:t>Applications</a:t>
-            </a:r>
-            <a:r>
-              <a:rPr lang="pt-BR" sz="3000" dirty="0"/>
-              <a:t>:</a:t>
-            </a:r>
-          </a:p>
-          <a:p>
-            <a:pPr marL="0" indent="0">
-              <a:buNone/>
-            </a:pPr>
-            <a:r>
-              <a:rPr lang="pt-BR" dirty="0"/>
-              <a:t>- S</a:t>
-            </a:r>
-            <a:r>
-              <a:rPr lang="en-US" dirty="0"/>
-              <a:t>mart traffic management</a:t>
-            </a:r>
-          </a:p>
-          <a:p>
-            <a:pPr marL="0" indent="0">
-              <a:buNone/>
-            </a:pPr>
-            <a:r>
-              <a:rPr lang="en-US" dirty="0"/>
-              <a:t>- Mobile crowd sensing</a:t>
-            </a:r>
-          </a:p>
-          <a:p>
-            <a:pPr marL="0" indent="0">
-              <a:buNone/>
-            </a:pPr>
-            <a:r>
-              <a:rPr lang="en-US" dirty="0"/>
-              <a:t>- Accident reporting</a:t>
-            </a:r>
-          </a:p>
-          <a:p>
-            <a:pPr marL="0" indent="0">
-              <a:buNone/>
-            </a:pPr>
-            <a:r>
-              <a:rPr lang="en-US" dirty="0"/>
-              <a:t>- Weather alerts</a:t>
-            </a:r>
-          </a:p>
-          <a:p>
-            <a:pPr marL="0" indent="0">
-              <a:buNone/>
-            </a:pPr>
-            <a:r>
-              <a:rPr lang="en-US" dirty="0"/>
-              <a:t>- Monitoring</a:t>
-            </a:r>
-          </a:p>
-          <a:p>
-            <a:pPr marL="0" indent="0">
-              <a:buNone/>
-            </a:pPr>
-            <a:r>
-              <a:rPr lang="en-US" dirty="0"/>
-              <a:t>- Parking alerts</a:t>
-            </a:r>
-          </a:p>
-          <a:p>
-            <a:pPr marL="0" indent="0">
-              <a:buNone/>
-            </a:pPr>
-            <a:r>
-              <a:rPr lang="en-US" dirty="0"/>
-              <a:t>- Audio/video streaming in vehicles</a:t>
+              <a:rPr lang="en-US" dirty="0"/>
+              <a:t>increasing demand of vehicles for wireless applications</a:t>
             </a:r>
           </a:p>
           <a:p>
@@ -7546,7 +9192,133 @@
             </a:pPr>
             <a:r>
               <a:rPr lang="en-US" dirty="0"/>
-              <a:t>Points of interest (Marts, Fuel Station, Restaurants)</a:t>
+              <a:t>Com a </a:t>
+            </a:r>
+            <a:r>
+              <a:rPr lang="en-US" dirty="0" err="1"/>
+              <a:t>alta</a:t>
+            </a:r>
+            <a:r>
+              <a:rPr lang="en-US" dirty="0"/>
+              <a:t> </a:t>
+            </a:r>
+            <a:r>
+              <a:rPr lang="en-US" dirty="0" err="1"/>
+              <a:t>utilização</a:t>
+            </a:r>
+            <a:r>
+              <a:rPr lang="en-US" dirty="0"/>
+              <a:t> de </a:t>
+            </a:r>
+            <a:r>
+              <a:rPr lang="en-US" dirty="0" err="1"/>
+              <a:t>aplicações</a:t>
+            </a:r>
+            <a:r>
+              <a:rPr lang="en-US" dirty="0"/>
+              <a:t> </a:t>
+            </a:r>
+            <a:r>
+              <a:rPr lang="en-US" dirty="0" err="1"/>
+              <a:t>desenvolvidas</a:t>
+            </a:r>
+            <a:r>
+              <a:rPr lang="en-US" dirty="0"/>
+              <a:t> para </a:t>
+            </a:r>
+            <a:r>
+              <a:rPr lang="en-US" dirty="0" err="1"/>
+              <a:t>iovs</a:t>
+            </a:r>
+            <a:r>
+              <a:rPr lang="en-US" dirty="0"/>
+              <a:t>, a </a:t>
+            </a:r>
+            <a:r>
+              <a:rPr lang="en-US" dirty="0" err="1"/>
+              <a:t>demanda</a:t>
+            </a:r>
+            <a:r>
+              <a:rPr lang="en-US" dirty="0"/>
+              <a:t> por </a:t>
+            </a:r>
+            <a:r>
+              <a:rPr lang="en-US" dirty="0" err="1"/>
+              <a:t>conexões</a:t>
+            </a:r>
+            <a:r>
+              <a:rPr lang="en-US" dirty="0"/>
+              <a:t> de internet </a:t>
+            </a:r>
+            <a:r>
+              <a:rPr lang="en-US" dirty="0" err="1"/>
+              <a:t>sem</a:t>
+            </a:r>
+            <a:r>
+              <a:rPr lang="en-US" dirty="0"/>
+              <a:t> </a:t>
+            </a:r>
+            <a:r>
+              <a:rPr lang="en-US" dirty="0" err="1"/>
+              <a:t>fio</a:t>
+            </a:r>
+            <a:r>
+              <a:rPr lang="en-US" dirty="0"/>
+              <a:t> </a:t>
+            </a:r>
+            <a:r>
+              <a:rPr lang="en-US" dirty="0" err="1"/>
+              <a:t>acabaram</a:t>
+            </a:r>
+            <a:r>
+              <a:rPr lang="en-US" dirty="0"/>
+              <a:t> </a:t>
+            </a:r>
+            <a:r>
+              <a:rPr lang="en-US" dirty="0" err="1"/>
+              <a:t>aumentando</a:t>
+            </a:r>
+            <a:r>
+              <a:rPr lang="en-US" dirty="0"/>
+              <a:t> e </a:t>
+            </a:r>
+            <a:r>
+              <a:rPr lang="en-US" dirty="0" err="1"/>
+              <a:t>consequentemente</a:t>
+            </a:r>
+            <a:r>
+              <a:rPr lang="en-US" dirty="0"/>
+              <a:t> </a:t>
+            </a:r>
+            <a:r>
+              <a:rPr lang="en-US" dirty="0" err="1"/>
+              <a:t>aumentando</a:t>
+            </a:r>
+            <a:r>
+              <a:rPr lang="en-US" dirty="0"/>
+              <a:t> o </a:t>
+            </a:r>
+            <a:r>
+              <a:rPr lang="en-US" dirty="0" err="1"/>
+              <a:t>fluxo</a:t>
+            </a:r>
+            <a:r>
+              <a:rPr lang="en-US" dirty="0"/>
+              <a:t> de dados. </a:t>
+            </a:r>
+          </a:p>
+          <a:p>
+            <a:r>
+              <a:rPr lang="en-US" dirty="0"/>
+              <a:t>Message storm (congestion of </a:t>
+            </a:r>
+            <a:r>
+              <a:rPr lang="en-US" dirty="0" err="1"/>
+              <a:t>datas</a:t>
+            </a:r>
+            <a:r>
+              <a:rPr lang="en-US" dirty="0"/>
+              <a:t>)</a:t>
             </a:r>
           </a:p>
           <a:p>
@@ -7556,10 +9328,157 @@
             </a:pPr>
             <a:r>
               <a:rPr lang="en-US" dirty="0"/>
-              <a:t>E-Health</a:t>
-            </a:r>
-          </a:p>
-          <a:p>
+              <a:t>Com </a:t>
+            </a:r>
+            <a:r>
+              <a:rPr lang="en-US" dirty="0" err="1"/>
+              <a:t>mais</a:t>
+            </a:r>
+            <a:r>
+              <a:rPr lang="en-US" dirty="0"/>
+              <a:t> </a:t>
+            </a:r>
+            <a:r>
+              <a:rPr lang="en-US" dirty="0" err="1"/>
+              <a:t>quantidade</a:t>
+            </a:r>
+            <a:r>
+              <a:rPr lang="en-US" dirty="0"/>
+              <a:t> de dados </a:t>
+            </a:r>
+            <a:r>
+              <a:rPr lang="en-US" dirty="0" err="1"/>
+              <a:t>trafegando</a:t>
+            </a:r>
+            <a:r>
+              <a:rPr lang="en-US" dirty="0"/>
+              <a:t> </a:t>
+            </a:r>
+            <a:r>
+              <a:rPr lang="en-US" dirty="0" err="1"/>
+              <a:t>pelo</a:t>
+            </a:r>
+            <a:r>
+              <a:rPr lang="en-US" dirty="0"/>
+              <a:t> </a:t>
+            </a:r>
+            <a:r>
+              <a:rPr lang="en-US" dirty="0" err="1"/>
+              <a:t>ar</a:t>
+            </a:r>
+            <a:r>
+              <a:rPr lang="en-US" dirty="0"/>
+              <a:t>,  </a:t>
+            </a:r>
+            <a:r>
+              <a:rPr lang="en-US" dirty="0" err="1"/>
+              <a:t>uma</a:t>
+            </a:r>
+            <a:r>
+              <a:rPr lang="en-US" dirty="0"/>
+              <a:t> hora </a:t>
+            </a:r>
+            <a:r>
+              <a:rPr lang="en-US" dirty="0" err="1"/>
+              <a:t>haverá</a:t>
+            </a:r>
+            <a:r>
+              <a:rPr lang="en-US" dirty="0"/>
+              <a:t> um </a:t>
+            </a:r>
+            <a:r>
+              <a:rPr lang="en-US" dirty="0" err="1"/>
+              <a:t>congestionamento</a:t>
+            </a:r>
+            <a:r>
+              <a:rPr lang="en-US" dirty="0"/>
+              <a:t> de dados, </a:t>
+            </a:r>
+            <a:r>
+              <a:rPr lang="en-US" dirty="0" err="1"/>
+              <a:t>gerando</a:t>
+            </a:r>
+            <a:r>
+              <a:rPr lang="en-US" dirty="0"/>
+              <a:t> </a:t>
+            </a:r>
+            <a:r>
+              <a:rPr lang="en-US" dirty="0" err="1"/>
+              <a:t>diversos</a:t>
+            </a:r>
+            <a:r>
+              <a:rPr lang="en-US" dirty="0"/>
+              <a:t> </a:t>
+            </a:r>
+            <a:r>
+              <a:rPr lang="en-US" dirty="0" err="1"/>
+              <a:t>problemas</a:t>
+            </a:r>
+            <a:r>
+              <a:rPr lang="en-US" dirty="0"/>
+              <a:t>.</a:t>
+            </a:r>
+          </a:p>
+          <a:p>
+            <a:r>
+              <a:rPr lang="pt-BR" dirty="0" err="1"/>
+              <a:t>centralized</a:t>
+            </a:r>
+            <a:r>
+              <a:rPr lang="pt-BR" dirty="0"/>
+              <a:t> server</a:t>
+            </a:r>
+          </a:p>
+          <a:p>
+            <a:pPr>
+              <a:buFontTx/>
+              <a:buChar char="-"/>
+            </a:pPr>
+            <a:r>
+              <a:rPr lang="pt-BR" dirty="0"/>
+              <a:t>O </a:t>
+            </a:r>
+            <a:r>
+              <a:rPr lang="pt-BR" dirty="0" err="1"/>
+              <a:t>iovs</a:t>
+            </a:r>
+            <a:r>
+              <a:rPr lang="pt-BR" dirty="0"/>
+              <a:t> utilizam servidores centralizados, gerando um </a:t>
+            </a:r>
+            <a:r>
+              <a:rPr lang="pt-BR" dirty="0" err="1"/>
+              <a:t>delay</a:t>
+            </a:r>
+            <a:r>
+              <a:rPr lang="pt-BR" dirty="0"/>
+              <a:t> grande para o veículo receber ou enviar a mensagem</a:t>
+            </a:r>
+          </a:p>
+          <a:p>
+            <a:r>
+              <a:rPr lang="en-US" dirty="0"/>
+              <a:t>all cars needed to update the central server</a:t>
+            </a:r>
+            <a:r>
+              <a:rPr lang="pt-BR" dirty="0"/>
+              <a:t> </a:t>
+            </a:r>
+          </a:p>
+          <a:p>
+            <a:pPr marL="0" indent="0">
+              <a:buNone/>
+            </a:pPr>
+            <a:r>
+              <a:rPr lang="pt-BR" dirty="0"/>
+              <a:t>- Depende dos dados de todos os carros para atualizar o banco de dados</a:t>
+            </a:r>
+          </a:p>
+          <a:p>
+            <a:pPr>
+              <a:buFontTx/>
+              <a:buChar char="-"/>
+            </a:pPr>
             <a:endParaRPr lang="pt-BR" dirty="0"/>
           </a:p>
         </p:txBody>
@@ -7639,7 +9558,7 @@
     </p:spTree>
     <p:extLst>
       <p:ext uri="{BB962C8B-B14F-4D97-AF65-F5344CB8AC3E}">
-        <p14:creationId xmlns:p14="http://schemas.microsoft.com/office/powerpoint/2010/main" val="2675619478"/>
+        <p14:creationId xmlns:p14="http://schemas.microsoft.com/office/powerpoint/2010/main" val="1467851287"/>
       </p:ext>
     </p:extLst>
   </p:cSld>
@@ -7649,7 +9568,7 @@
 </p:sld>
 </file>
 
-<file path=ppt/slides/slide7.xml><?xml version="1.0" encoding="utf-8"?>
+<file path=ppt/slides/slide9.xml><?xml version="1.0" encoding="utf-8"?>
 <p:sld xmlns:a="http://schemas.openxmlformats.org/drawingml/2006/main" xmlns:r="http://schemas.openxmlformats.org/officeDocument/2006/relationships" xmlns:p="http://schemas.openxmlformats.org/presentationml/2006/main">
   <p:cSld>
     <p:spTree>
@@ -7728,37 +9647,177 @@
           <a:p>
             <a:r>
               <a:rPr lang="en-US" dirty="0"/>
-              <a:t>congestion of </a:t>
+              <a:t>packet loss – PERDAS DE PACOTES PELO MESSAGE STORMS</a:t>
+            </a:r>
+          </a:p>
+          <a:p>
+            <a:r>
+              <a:rPr lang="en-US" dirty="0"/>
+              <a:t>poor communication – </a:t>
             </a:r>
             <a:r>
               <a:rPr lang="en-US" dirty="0" err="1"/>
-              <a:t>datas</a:t>
+              <a:t>pelas</a:t>
+            </a:r>
+            <a:r>
+              <a:rPr lang="en-US" dirty="0"/>
+              <a:t> </a:t>
+            </a:r>
+            <a:r>
+              <a:rPr lang="en-US" dirty="0" err="1"/>
+              <a:t>perdas</a:t>
+            </a:r>
+            <a:r>
+              <a:rPr lang="en-US" dirty="0"/>
+              <a:t> de </a:t>
+            </a:r>
+            <a:r>
+              <a:rPr lang="en-US" dirty="0" err="1"/>
+              <a:t>pacotes</a:t>
+            </a:r>
+            <a:r>
+              <a:rPr lang="en-US" dirty="0"/>
+              <a:t>, </a:t>
+            </a:r>
+            <a:r>
+              <a:rPr lang="en-US" dirty="0" err="1"/>
+              <a:t>podem</a:t>
+            </a:r>
+            <a:r>
+              <a:rPr lang="en-US" dirty="0"/>
+              <a:t> haver </a:t>
+            </a:r>
+            <a:r>
+              <a:rPr lang="en-US" dirty="0" err="1"/>
+              <a:t>má</a:t>
+            </a:r>
+            <a:r>
+              <a:rPr lang="en-US" dirty="0"/>
+              <a:t> </a:t>
+            </a:r>
+            <a:r>
+              <a:rPr lang="en-US" dirty="0" err="1"/>
+              <a:t>comunicação</a:t>
             </a:r>
             <a:endParaRPr lang="en-US" dirty="0"/>
           </a:p>
           <a:p>
             <a:r>
               <a:rPr lang="en-US" dirty="0"/>
-              <a:t>increasing demand of vehicles for wireless applications</a:t>
-            </a:r>
+              <a:t>High latency – </a:t>
+            </a:r>
+            <a:r>
+              <a:rPr lang="en-US" dirty="0" err="1"/>
+              <a:t>Demora</a:t>
+            </a:r>
+            <a:r>
+              <a:rPr lang="en-US" dirty="0"/>
+              <a:t> para </a:t>
+            </a:r>
+            <a:r>
+              <a:rPr lang="en-US" dirty="0" err="1"/>
+              <a:t>envio</a:t>
+            </a:r>
+            <a:r>
+              <a:rPr lang="en-US" dirty="0"/>
+              <a:t> e </a:t>
+            </a:r>
+            <a:r>
+              <a:rPr lang="en-US" dirty="0" err="1"/>
+              <a:t>recebimento</a:t>
+            </a:r>
+            <a:r>
+              <a:rPr lang="en-US" dirty="0"/>
+              <a:t> de dados</a:t>
+            </a:r>
+          </a:p>
+          <a:p>
+            <a:r>
+              <a:rPr lang="en-US" dirty="0"/>
+              <a:t>energy overheads – </a:t>
+            </a:r>
+            <a:r>
+              <a:rPr lang="en-US" dirty="0" err="1"/>
+              <a:t>sobrecarga</a:t>
+            </a:r>
+            <a:r>
+              <a:rPr lang="en-US" dirty="0"/>
+              <a:t> de </a:t>
+            </a:r>
+            <a:r>
+              <a:rPr lang="en-US" dirty="0" err="1"/>
+              <a:t>energia</a:t>
+            </a:r>
+            <a:r>
+              <a:rPr lang="en-US" dirty="0"/>
+              <a:t> </a:t>
+            </a:r>
+            <a:r>
+              <a:rPr lang="en-US" dirty="0" err="1"/>
+              <a:t>devido</a:t>
+            </a:r>
+            <a:r>
+              <a:rPr lang="en-US" dirty="0"/>
+              <a:t> </a:t>
+            </a:r>
+            <a:r>
+              <a:rPr lang="en-US" dirty="0" err="1"/>
+              <a:t>ao</a:t>
+            </a:r>
+            <a:r>
+              <a:rPr lang="en-US" dirty="0"/>
+              <a:t> </a:t>
+            </a:r>
+            <a:r>
+              <a:rPr lang="en-US" dirty="0" err="1"/>
+              <a:t>tráfego</a:t>
+            </a:r>
+            <a:r>
+              <a:rPr lang="en-US" dirty="0"/>
+              <a:t> de </a:t>
+            </a:r>
+            <a:r>
+              <a:rPr lang="en-US" dirty="0" err="1"/>
+              <a:t>informações</a:t>
+            </a:r>
+            <a:endParaRPr lang="en-US" dirty="0"/>
+          </a:p>
+          <a:p>
+            <a:r>
+              <a:rPr lang="en-US" dirty="0"/>
+              <a:t>delay in propagating emergency messages – PODE ser decisive para a </a:t>
+            </a:r>
+            <a:r>
+              <a:rPr lang="en-US" dirty="0" err="1"/>
+              <a:t>vida</a:t>
+            </a:r>
+            <a:r>
+              <a:rPr lang="en-US" dirty="0"/>
+              <a:t> do </a:t>
+            </a:r>
+            <a:r>
+              <a:rPr lang="en-US" dirty="0" err="1"/>
+              <a:t>acidentado</a:t>
+            </a:r>
+            <a:endParaRPr lang="en-US" dirty="0"/>
           </a:p>
           <a:p>
             <a:r>
               <a:rPr lang="pt-BR" dirty="0" err="1"/>
-              <a:t>centralized</a:t>
+              <a:t>repeated</a:t>
             </a:r>
             <a:r>
               <a:rPr lang="pt-BR" dirty="0"/>
-              <a:t> server</a:t>
-            </a:r>
-            <a:endParaRPr lang="en-US" dirty="0"/>
-          </a:p>
-          <a:p>
-            <a:r>
-              <a:rPr lang="en-US" dirty="0"/>
-              <a:t>Message storm</a:t>
-            </a:r>
-            <a:endParaRPr lang="pt-BR" dirty="0"/>
+              <a:t> </a:t>
+            </a:r>
+            <a:r>
+              <a:rPr lang="pt-BR" dirty="0" err="1"/>
+              <a:t>packages</a:t>
+            </a:r>
+            <a:r>
+              <a:rPr lang="pt-BR" dirty="0"/>
+              <a:t> – pacotes repetidos podem se colidir com outros pacotes, gerando perda de dados importantes</a:t>
+            </a:r>
           </a:p>
         </p:txBody>
       </p:sp>
@@ -7837,7 +9896,7 @@
     </p:spTree>
     <p:extLst>
       <p:ext uri="{BB962C8B-B14F-4D97-AF65-F5344CB8AC3E}">
-        <p14:creationId xmlns:p14="http://schemas.microsoft.com/office/powerpoint/2010/main" val="1467851287"/>
+        <p14:creationId xmlns:p14="http://schemas.microsoft.com/office/powerpoint/2010/main" val="1351932149"/>
       </p:ext>
     </p:extLst>
   </p:cSld>

--- a/PPTS/VANET-Explicações.pptx
+++ b/PPTS/VANET-Explicações.pptx
@@ -17,6 +17,8 @@
     <p:sldId id="266" r:id="rId11"/>
     <p:sldId id="267" r:id="rId12"/>
     <p:sldId id="268" r:id="rId13"/>
+    <p:sldId id="269" r:id="rId14"/>
+    <p:sldId id="270" r:id="rId15"/>
   </p:sldIdLst>
   <p:sldSz cx="12192000" cy="6858000"/>
   <p:notesSz cx="6858000" cy="9144000"/>
@@ -6767,15 +6769,6 @@
             </a:pPr>
             <a:r>
               <a:rPr lang="pt-BR" dirty="0"/>
-              <a:t>- tempestades de mensagens e a desconexão devido para alto consumo de largura de banda</a:t>
-            </a:r>
-          </a:p>
-          <a:p>
-            <a:pPr marL="0" indent="0">
-              <a:buNone/>
-            </a:pPr>
-            <a:r>
-              <a:rPr lang="pt-BR" dirty="0"/>
               <a:t>- reduz o número de mensagens repetidas em nível local, consumindo menos largura de banda</a:t>
             </a:r>
           </a:p>
@@ -7030,7 +7023,9 @@
           </a:xfrm>
         </p:spPr>
         <p:txBody>
-          <a:bodyPr/>
+          <a:bodyPr>
+            <a:normAutofit fontScale="92500" lnSpcReduction="10000"/>
+          </a:bodyPr>
           <a:lstStyle/>
           <a:p>
             <a:r>
@@ -7082,7 +7077,7 @@
             </a:pPr>
             <a:r>
               <a:rPr lang="pt-BR" dirty="0"/>
-              <a:t>Menos atraso na distribuição de dados e melhora confiabilidade mas não é adequado em ambiente espaçosos</a:t>
+              <a:t>Menos atraso na distribuição de dados e melhora confiabilidade mas não é adequado em ambiente espaçosos.</a:t>
             </a:r>
           </a:p>
           <a:p>
@@ -7091,6 +7086,85 @@
               <a:buChar char="-"/>
             </a:pPr>
             <a:endParaRPr lang="pt-BR" dirty="0"/>
+          </a:p>
+          <a:p>
+            <a:r>
+              <a:rPr lang="pt-BR" dirty="0" err="1"/>
+              <a:t>Encryption</a:t>
+            </a:r>
+            <a:r>
+              <a:rPr lang="pt-BR" dirty="0"/>
+              <a:t> </a:t>
+            </a:r>
+            <a:r>
+              <a:rPr lang="pt-BR" dirty="0" err="1"/>
+              <a:t>based</a:t>
+            </a:r>
+            <a:r>
+              <a:rPr lang="pt-BR" dirty="0"/>
+              <a:t> </a:t>
+            </a:r>
+            <a:r>
+              <a:rPr lang="pt-BR" dirty="0" err="1"/>
+              <a:t>schemes</a:t>
+            </a:r>
+            <a:endParaRPr lang="pt-BR" dirty="0"/>
+          </a:p>
+          <a:p>
+            <a:pPr>
+              <a:buFontTx/>
+              <a:buChar char="-"/>
+            </a:pPr>
+            <a:r>
+              <a:rPr lang="pt-BR" dirty="0"/>
+              <a:t>Esquemas baseados em criptografia</a:t>
+            </a:r>
+          </a:p>
+          <a:p>
+            <a:pPr>
+              <a:buFontTx/>
+              <a:buChar char="-"/>
+            </a:pPr>
+            <a:r>
+              <a:rPr lang="pt-BR" dirty="0"/>
+              <a:t>Busca melhorar a confiabilidade e eficácia dos pacotes, baseado em dois itens:</a:t>
+            </a:r>
+          </a:p>
+          <a:p>
+            <a:pPr>
+              <a:buFontTx/>
+              <a:buChar char="-"/>
+            </a:pPr>
+            <a:r>
+              <a:rPr lang="pt-BR" dirty="0"/>
+              <a:t>1: transmitir os veículos </a:t>
+            </a:r>
+            <a:r>
+              <a:rPr lang="pt-BR" dirty="0" err="1"/>
+              <a:t>EMs</a:t>
+            </a:r>
+            <a:r>
+              <a:rPr lang="pt-BR" dirty="0"/>
+              <a:t> extensivamente com a ajuda da codificação de rede</a:t>
+            </a:r>
+          </a:p>
+          <a:p>
+            <a:pPr>
+              <a:buFontTx/>
+              <a:buChar char="-"/>
+            </a:pPr>
+            <a:r>
+              <a:rPr lang="pt-BR" dirty="0"/>
+              <a:t>2: repetição de controle a fim de evitar crescimento desnecessário de relatórios que pode levar ao congestionamento causado pela repetição de </a:t>
+            </a:r>
+            <a:r>
+              <a:rPr lang="pt-BR" dirty="0" err="1"/>
+              <a:t>EMs</a:t>
+            </a:r>
+            <a:r>
+              <a:rPr lang="pt-BR" dirty="0"/>
+              <a:t> codificados</a:t>
+            </a:r>
           </a:p>
           <a:p>
             <a:endParaRPr lang="pt-BR" dirty="0"/>
@@ -7173,6 +7247,506 @@
     <p:extLst>
       <p:ext uri="{BB962C8B-B14F-4D97-AF65-F5344CB8AC3E}">
         <p14:creationId xmlns:p14="http://schemas.microsoft.com/office/powerpoint/2010/main" val="2836488329"/>
+      </p:ext>
+    </p:extLst>
+  </p:cSld>
+  <p:clrMapOvr>
+    <a:masterClrMapping/>
+  </p:clrMapOvr>
+</p:sld>
+</file>
+
+<file path=ppt/slides/slide13.xml><?xml version="1.0" encoding="utf-8"?>
+<p:sld xmlns:a="http://schemas.openxmlformats.org/drawingml/2006/main" xmlns:r="http://schemas.openxmlformats.org/officeDocument/2006/relationships" xmlns:p="http://schemas.openxmlformats.org/presentationml/2006/main">
+  <p:cSld>
+    <p:spTree>
+      <p:nvGrpSpPr>
+        <p:cNvPr id="1" name=""/>
+        <p:cNvGrpSpPr/>
+        <p:nvPr/>
+      </p:nvGrpSpPr>
+      <p:grpSpPr>
+        <a:xfrm>
+          <a:off x="0" y="0"/>
+          <a:ext cx="0" cy="0"/>
+          <a:chOff x="0" y="0"/>
+          <a:chExt cx="0" cy="0"/>
+        </a:xfrm>
+      </p:grpSpPr>
+      <p:sp>
+        <p:nvSpPr>
+          <p:cNvPr id="2" name="Título 1">
+            <a:extLst>
+              <a:ext uri="{FF2B5EF4-FFF2-40B4-BE49-F238E27FC236}">
+                <a16:creationId xmlns:a16="http://schemas.microsoft.com/office/drawing/2014/main" id="{5A26C166-0D36-40BA-83E5-D7B77FC480CD}"/>
+              </a:ext>
+            </a:extLst>
+          </p:cNvPr>
+          <p:cNvSpPr>
+            <a:spLocks noGrp="1"/>
+          </p:cNvSpPr>
+          <p:nvPr>
+            <p:ph type="title"/>
+          </p:nvPr>
+        </p:nvSpPr>
+        <p:spPr>
+          <a:xfrm>
+            <a:off x="152400" y="149225"/>
+            <a:ext cx="10515600" cy="752475"/>
+          </a:xfrm>
+        </p:spPr>
+        <p:txBody>
+          <a:bodyPr/>
+          <a:lstStyle/>
+          <a:p>
+            <a:r>
+              <a:rPr lang="pt-BR" dirty="0" err="1"/>
+              <a:t>problem</a:t>
+            </a:r>
+            <a:r>
+              <a:rPr lang="pt-BR" dirty="0"/>
+              <a:t> </a:t>
+            </a:r>
+            <a:r>
+              <a:rPr lang="pt-BR" dirty="0" err="1"/>
+              <a:t>solving</a:t>
+            </a:r>
+            <a:r>
+              <a:rPr lang="pt-BR" dirty="0"/>
+              <a:t> </a:t>
+            </a:r>
+            <a:r>
+              <a:rPr lang="pt-BR" dirty="0" err="1"/>
+              <a:t>schemes</a:t>
+            </a:r>
+            <a:endParaRPr lang="pt-BR" dirty="0"/>
+          </a:p>
+        </p:txBody>
+      </p:sp>
+      <p:sp>
+        <p:nvSpPr>
+          <p:cNvPr id="3" name="Espaço Reservado para Conteúdo 2">
+            <a:extLst>
+              <a:ext uri="{FF2B5EF4-FFF2-40B4-BE49-F238E27FC236}">
+                <a16:creationId xmlns:a16="http://schemas.microsoft.com/office/drawing/2014/main" id="{F0CCC276-58C3-47C2-B98A-220879AADC00}"/>
+              </a:ext>
+            </a:extLst>
+          </p:cNvPr>
+          <p:cNvSpPr>
+            <a:spLocks noGrp="1"/>
+          </p:cNvSpPr>
+          <p:nvPr>
+            <p:ph idx="1"/>
+          </p:nvPr>
+        </p:nvSpPr>
+        <p:spPr>
+          <a:xfrm>
+            <a:off x="152400" y="1143000"/>
+            <a:ext cx="11861800" cy="5565775"/>
+          </a:xfrm>
+        </p:spPr>
+        <p:txBody>
+          <a:bodyPr/>
+          <a:lstStyle/>
+          <a:p>
+            <a:r>
+              <a:rPr lang="pt-BR" dirty="0" err="1"/>
+              <a:t>Integration</a:t>
+            </a:r>
+            <a:r>
+              <a:rPr lang="pt-BR" dirty="0"/>
+              <a:t> </a:t>
+            </a:r>
+            <a:r>
+              <a:rPr lang="pt-BR" dirty="0" err="1"/>
+              <a:t>based</a:t>
+            </a:r>
+            <a:r>
+              <a:rPr lang="pt-BR" dirty="0"/>
+              <a:t> </a:t>
+            </a:r>
+            <a:r>
+              <a:rPr lang="pt-BR" dirty="0" err="1"/>
+              <a:t>schemes</a:t>
+            </a:r>
+            <a:endParaRPr lang="pt-BR" dirty="0"/>
+          </a:p>
+          <a:p>
+            <a:pPr>
+              <a:buFontTx/>
+              <a:buChar char="-"/>
+            </a:pPr>
+            <a:r>
+              <a:rPr lang="pt-BR" dirty="0"/>
+              <a:t>Esquemas baseados em integração</a:t>
+            </a:r>
+          </a:p>
+          <a:p>
+            <a:pPr>
+              <a:buFontTx/>
+              <a:buChar char="-"/>
+            </a:pPr>
+            <a:r>
+              <a:rPr lang="pt-BR" dirty="0"/>
+              <a:t>controla </a:t>
+            </a:r>
+            <a:r>
+              <a:rPr lang="pt-BR" dirty="0" err="1"/>
+              <a:t>EMs</a:t>
+            </a:r>
+            <a:r>
+              <a:rPr lang="pt-BR" dirty="0"/>
+              <a:t> repetidos para atingir taxa de transmissão menor. A Taxa de largura de banda limitada pode ajudar a melhorar a taxa de entrega de pacotes durante a transmissão de dados entre veículos.</a:t>
+            </a:r>
+          </a:p>
+          <a:p>
+            <a:pPr>
+              <a:buFontTx/>
+              <a:buChar char="-"/>
+            </a:pPr>
+            <a:endParaRPr lang="pt-BR" dirty="0"/>
+          </a:p>
+          <a:p>
+            <a:r>
+              <a:rPr lang="pt-BR" dirty="0"/>
+              <a:t>Position </a:t>
+            </a:r>
+            <a:r>
+              <a:rPr lang="pt-BR" dirty="0" err="1"/>
+              <a:t>based</a:t>
+            </a:r>
+            <a:r>
+              <a:rPr lang="pt-BR" dirty="0"/>
+              <a:t> </a:t>
+            </a:r>
+            <a:r>
+              <a:rPr lang="pt-BR" dirty="0" err="1"/>
+              <a:t>schemes</a:t>
+            </a:r>
+            <a:endParaRPr lang="pt-BR" dirty="0"/>
+          </a:p>
+          <a:p>
+            <a:pPr>
+              <a:buFontTx/>
+              <a:buChar char="-"/>
+            </a:pPr>
+            <a:r>
+              <a:rPr lang="pt-BR" dirty="0"/>
+              <a:t>esquemas baseados em posição</a:t>
+            </a:r>
+          </a:p>
+          <a:p>
+            <a:pPr>
+              <a:buFontTx/>
+              <a:buChar char="-"/>
+            </a:pPr>
+            <a:r>
+              <a:rPr lang="pt-BR" dirty="0"/>
+              <a:t>controle de congestionamento baseado em aplicativo de aviso de colisão e um modelo para lidar com mensagens de aviso de emergência e como evitar as situações naturais de emergência</a:t>
+            </a:r>
+          </a:p>
+          <a:p>
+            <a:pPr>
+              <a:buFontTx/>
+              <a:buChar char="-"/>
+            </a:pPr>
+            <a:endParaRPr lang="pt-BR" dirty="0"/>
+          </a:p>
+        </p:txBody>
+      </p:sp>
+      <p:pic>
+        <p:nvPicPr>
+          <p:cNvPr id="7" name="Imagem 6">
+            <a:extLst>
+              <a:ext uri="{FF2B5EF4-FFF2-40B4-BE49-F238E27FC236}">
+                <a16:creationId xmlns:a16="http://schemas.microsoft.com/office/drawing/2014/main" id="{E31BCFA8-6641-4AF5-BC5E-0293AE2FAFBF}"/>
+              </a:ext>
+            </a:extLst>
+          </p:cNvPr>
+          <p:cNvPicPr>
+            <a:picLocks noChangeAspect="1"/>
+          </p:cNvPicPr>
+          <p:nvPr/>
+        </p:nvPicPr>
+        <p:blipFill>
+          <a:blip r:embed="rId2">
+            <a:extLst>
+              <a:ext uri="{28A0092B-C50C-407E-A947-70E740481C1C}">
+                <a14:useLocalDpi xmlns:a14="http://schemas.microsoft.com/office/drawing/2010/main" val="0"/>
+              </a:ext>
+            </a:extLst>
+          </a:blip>
+          <a:stretch>
+            <a:fillRect/>
+          </a:stretch>
+        </p:blipFill>
+        <p:spPr>
+          <a:xfrm>
+            <a:off x="9242425" y="149225"/>
+            <a:ext cx="2771775" cy="1000125"/>
+          </a:xfrm>
+          <a:prstGeom prst="rect">
+            <a:avLst/>
+          </a:prstGeom>
+        </p:spPr>
+      </p:pic>
+      <p:sp>
+        <p:nvSpPr>
+          <p:cNvPr id="8" name="CaixaDeTexto 7">
+            <a:extLst>
+              <a:ext uri="{FF2B5EF4-FFF2-40B4-BE49-F238E27FC236}">
+                <a16:creationId xmlns:a16="http://schemas.microsoft.com/office/drawing/2014/main" id="{096A67F7-0414-4281-A519-A5459EFE7DD8}"/>
+              </a:ext>
+            </a:extLst>
+          </p:cNvPr>
+          <p:cNvSpPr txBox="1"/>
+          <p:nvPr/>
+        </p:nvSpPr>
+        <p:spPr>
+          <a:xfrm>
+            <a:off x="3140927" y="6524109"/>
+            <a:ext cx="4538546" cy="369332"/>
+          </a:xfrm>
+          <a:prstGeom prst="rect">
+            <a:avLst/>
+          </a:prstGeom>
+          <a:noFill/>
+        </p:spPr>
+        <p:txBody>
+          <a:bodyPr wrap="square" rtlCol="0">
+            <a:spAutoFit/>
+          </a:bodyPr>
+          <a:lstStyle/>
+          <a:p>
+            <a:pPr algn="ctr"/>
+            <a:r>
+              <a:rPr lang="pt-BR" dirty="0"/>
+              <a:t>SCCS – Professor Weslley Torres</a:t>
+            </a:r>
+          </a:p>
+        </p:txBody>
+      </p:sp>
+    </p:spTree>
+    <p:extLst>
+      <p:ext uri="{BB962C8B-B14F-4D97-AF65-F5344CB8AC3E}">
+        <p14:creationId xmlns:p14="http://schemas.microsoft.com/office/powerpoint/2010/main" val="1989277860"/>
+      </p:ext>
+    </p:extLst>
+  </p:cSld>
+  <p:clrMapOvr>
+    <a:masterClrMapping/>
+  </p:clrMapOvr>
+</p:sld>
+</file>
+
+<file path=ppt/slides/slide14.xml><?xml version="1.0" encoding="utf-8"?>
+<p:sld xmlns:a="http://schemas.openxmlformats.org/drawingml/2006/main" xmlns:r="http://schemas.openxmlformats.org/officeDocument/2006/relationships" xmlns:p="http://schemas.openxmlformats.org/presentationml/2006/main">
+  <p:cSld>
+    <p:spTree>
+      <p:nvGrpSpPr>
+        <p:cNvPr id="1" name=""/>
+        <p:cNvGrpSpPr/>
+        <p:nvPr/>
+      </p:nvGrpSpPr>
+      <p:grpSpPr>
+        <a:xfrm>
+          <a:off x="0" y="0"/>
+          <a:ext cx="0" cy="0"/>
+          <a:chOff x="0" y="0"/>
+          <a:chExt cx="0" cy="0"/>
+        </a:xfrm>
+      </p:grpSpPr>
+      <p:sp>
+        <p:nvSpPr>
+          <p:cNvPr id="2" name="Título 1">
+            <a:extLst>
+              <a:ext uri="{FF2B5EF4-FFF2-40B4-BE49-F238E27FC236}">
+                <a16:creationId xmlns:a16="http://schemas.microsoft.com/office/drawing/2014/main" id="{5A26C166-0D36-40BA-83E5-D7B77FC480CD}"/>
+              </a:ext>
+            </a:extLst>
+          </p:cNvPr>
+          <p:cNvSpPr>
+            <a:spLocks noGrp="1"/>
+          </p:cNvSpPr>
+          <p:nvPr>
+            <p:ph type="title"/>
+          </p:nvPr>
+        </p:nvSpPr>
+        <p:spPr>
+          <a:xfrm>
+            <a:off x="152400" y="149225"/>
+            <a:ext cx="10515600" cy="752475"/>
+          </a:xfrm>
+        </p:spPr>
+        <p:txBody>
+          <a:bodyPr/>
+          <a:lstStyle/>
+          <a:p>
+            <a:r>
+              <a:rPr lang="pt-BR" dirty="0" err="1"/>
+              <a:t>problem</a:t>
+            </a:r>
+            <a:r>
+              <a:rPr lang="pt-BR" dirty="0"/>
+              <a:t> </a:t>
+            </a:r>
+            <a:r>
+              <a:rPr lang="pt-BR" dirty="0" err="1"/>
+              <a:t>solving</a:t>
+            </a:r>
+            <a:r>
+              <a:rPr lang="pt-BR" dirty="0"/>
+              <a:t> </a:t>
+            </a:r>
+            <a:r>
+              <a:rPr lang="pt-BR" dirty="0" err="1"/>
+              <a:t>schemes</a:t>
+            </a:r>
+            <a:endParaRPr lang="pt-BR" dirty="0"/>
+          </a:p>
+        </p:txBody>
+      </p:sp>
+      <p:sp>
+        <p:nvSpPr>
+          <p:cNvPr id="3" name="Espaço Reservado para Conteúdo 2">
+            <a:extLst>
+              <a:ext uri="{FF2B5EF4-FFF2-40B4-BE49-F238E27FC236}">
+                <a16:creationId xmlns:a16="http://schemas.microsoft.com/office/drawing/2014/main" id="{F0CCC276-58C3-47C2-B98A-220879AADC00}"/>
+              </a:ext>
+            </a:extLst>
+          </p:cNvPr>
+          <p:cNvSpPr>
+            <a:spLocks noGrp="1"/>
+          </p:cNvSpPr>
+          <p:nvPr>
+            <p:ph idx="1"/>
+          </p:nvPr>
+        </p:nvSpPr>
+        <p:spPr>
+          <a:xfrm>
+            <a:off x="152400" y="1143000"/>
+            <a:ext cx="11861800" cy="5565775"/>
+          </a:xfrm>
+        </p:spPr>
+        <p:txBody>
+          <a:bodyPr/>
+          <a:lstStyle/>
+          <a:p>
+            <a:r>
+              <a:rPr lang="pt-BR" dirty="0" err="1"/>
+              <a:t>FoG‑oriented</a:t>
+            </a:r>
+            <a:r>
+              <a:rPr lang="pt-BR" dirty="0"/>
+              <a:t> VANET </a:t>
+            </a:r>
+            <a:r>
+              <a:rPr lang="pt-BR" dirty="0" err="1"/>
+              <a:t>schemes</a:t>
+            </a:r>
+            <a:endParaRPr lang="pt-BR" dirty="0"/>
+          </a:p>
+          <a:p>
+            <a:pPr marL="0" indent="0">
+              <a:buNone/>
+            </a:pPr>
+            <a:r>
+              <a:rPr lang="pt-BR" dirty="0"/>
+              <a:t>- Esquemas VANET orientados para </a:t>
+            </a:r>
+            <a:r>
+              <a:rPr lang="pt-BR" dirty="0" err="1"/>
+              <a:t>FoG</a:t>
+            </a:r>
+            <a:endParaRPr lang="pt-BR" dirty="0"/>
+          </a:p>
+          <a:p>
+            <a:pPr marL="0" indent="0">
+              <a:buNone/>
+            </a:pPr>
+            <a:r>
+              <a:rPr lang="pt-BR" dirty="0"/>
+              <a:t>-   É usado para reduzir a latência e atuar como estrutura principal para economia de largura de banda, a fim de alcançar melhor qualidade de serviços os autores mostraram que o fog tem algoritmo proficiente, incluindo recursos que se baseiam na técnica de virtualização.</a:t>
+            </a:r>
+          </a:p>
+        </p:txBody>
+      </p:sp>
+      <p:pic>
+        <p:nvPicPr>
+          <p:cNvPr id="7" name="Imagem 6">
+            <a:extLst>
+              <a:ext uri="{FF2B5EF4-FFF2-40B4-BE49-F238E27FC236}">
+                <a16:creationId xmlns:a16="http://schemas.microsoft.com/office/drawing/2014/main" id="{E31BCFA8-6641-4AF5-BC5E-0293AE2FAFBF}"/>
+              </a:ext>
+            </a:extLst>
+          </p:cNvPr>
+          <p:cNvPicPr>
+            <a:picLocks noChangeAspect="1"/>
+          </p:cNvPicPr>
+          <p:nvPr/>
+        </p:nvPicPr>
+        <p:blipFill>
+          <a:blip r:embed="rId2">
+            <a:extLst>
+              <a:ext uri="{28A0092B-C50C-407E-A947-70E740481C1C}">
+                <a14:useLocalDpi xmlns:a14="http://schemas.microsoft.com/office/drawing/2010/main" val="0"/>
+              </a:ext>
+            </a:extLst>
+          </a:blip>
+          <a:stretch>
+            <a:fillRect/>
+          </a:stretch>
+        </p:blipFill>
+        <p:spPr>
+          <a:xfrm>
+            <a:off x="9242425" y="149225"/>
+            <a:ext cx="2771775" cy="1000125"/>
+          </a:xfrm>
+          <a:prstGeom prst="rect">
+            <a:avLst/>
+          </a:prstGeom>
+        </p:spPr>
+      </p:pic>
+      <p:sp>
+        <p:nvSpPr>
+          <p:cNvPr id="8" name="CaixaDeTexto 7">
+            <a:extLst>
+              <a:ext uri="{FF2B5EF4-FFF2-40B4-BE49-F238E27FC236}">
+                <a16:creationId xmlns:a16="http://schemas.microsoft.com/office/drawing/2014/main" id="{096A67F7-0414-4281-A519-A5459EFE7DD8}"/>
+              </a:ext>
+            </a:extLst>
+          </p:cNvPr>
+          <p:cNvSpPr txBox="1"/>
+          <p:nvPr/>
+        </p:nvSpPr>
+        <p:spPr>
+          <a:xfrm>
+            <a:off x="3140927" y="6524109"/>
+            <a:ext cx="4538546" cy="369332"/>
+          </a:xfrm>
+          <a:prstGeom prst="rect">
+            <a:avLst/>
+          </a:prstGeom>
+          <a:noFill/>
+        </p:spPr>
+        <p:txBody>
+          <a:bodyPr wrap="square" rtlCol="0">
+            <a:spAutoFit/>
+          </a:bodyPr>
+          <a:lstStyle/>
+          <a:p>
+            <a:pPr algn="ctr"/>
+            <a:r>
+              <a:rPr lang="pt-BR" dirty="0"/>
+              <a:t>SCCS – Professor Weslley Torres</a:t>
+            </a:r>
+          </a:p>
+        </p:txBody>
+      </p:sp>
+    </p:spTree>
+    <p:extLst>
+      <p:ext uri="{BB962C8B-B14F-4D97-AF65-F5344CB8AC3E}">
+        <p14:creationId xmlns:p14="http://schemas.microsoft.com/office/powerpoint/2010/main" val="776689404"/>
       </p:ext>
     </p:extLst>
   </p:cSld>
